--- a/_techtalk/Workers.pptx
+++ b/_techtalk/Workers.pptx
@@ -7,11 +7,16 @@
   <p:sldIdLst>
     <p:sldId id="256" r:id="rId2"/>
     <p:sldId id="257" r:id="rId3"/>
-    <p:sldId id="258" r:id="rId4"/>
-    <p:sldId id="259" r:id="rId5"/>
-    <p:sldId id="260" r:id="rId6"/>
-    <p:sldId id="261" r:id="rId7"/>
-    <p:sldId id="262" r:id="rId8"/>
+    <p:sldId id="264" r:id="rId4"/>
+    <p:sldId id="258" r:id="rId5"/>
+    <p:sldId id="259" r:id="rId6"/>
+    <p:sldId id="260" r:id="rId7"/>
+    <p:sldId id="261" r:id="rId8"/>
+    <p:sldId id="262" r:id="rId9"/>
+    <p:sldId id="263" r:id="rId10"/>
+    <p:sldId id="265" r:id="rId11"/>
+    <p:sldId id="266" r:id="rId12"/>
+    <p:sldId id="267" r:id="rId13"/>
   </p:sldIdLst>
   <p:sldSz cx="12192000" cy="6858000"/>
   <p:notesSz cx="6858000" cy="9144000"/>
@@ -5845,6 +5850,1216 @@
 </p:sld>
 </file>
 
+<file path=ppt/slides/slide10.xml><?xml version="1.0" encoding="utf-8"?>
+<p:sld xmlns:a="http://schemas.openxmlformats.org/drawingml/2006/main" xmlns:r="http://schemas.openxmlformats.org/officeDocument/2006/relationships" xmlns:p="http://schemas.openxmlformats.org/presentationml/2006/main">
+  <p:cSld>
+    <p:spTree>
+      <p:nvGrpSpPr>
+        <p:cNvPr id="1" name=""/>
+        <p:cNvGrpSpPr/>
+        <p:nvPr/>
+      </p:nvGrpSpPr>
+      <p:grpSpPr>
+        <a:xfrm>
+          <a:off x="0" y="0"/>
+          <a:ext cx="0" cy="0"/>
+          <a:chOff x="0" y="0"/>
+          <a:chExt cx="0" cy="0"/>
+        </a:xfrm>
+      </p:grpSpPr>
+      <p:sp>
+        <p:nvSpPr>
+          <p:cNvPr id="2" name="Заголовок 1"/>
+          <p:cNvSpPr>
+            <a:spLocks noGrp="1"/>
+          </p:cNvSpPr>
+          <p:nvPr>
+            <p:ph type="title"/>
+          </p:nvPr>
+        </p:nvSpPr>
+        <p:spPr/>
+        <p:txBody>
+          <a:bodyPr/>
+          <a:lstStyle/>
+          <a:p>
+            <a:r>
+              <a:rPr lang="en-US" dirty="0" smtClean="0"/>
+              <a:t>Service Worker</a:t>
+            </a:r>
+            <a:endParaRPr lang="ru-RU" dirty="0"/>
+          </a:p>
+        </p:txBody>
+      </p:sp>
+      <p:sp>
+        <p:nvSpPr>
+          <p:cNvPr id="3" name="Объект 2"/>
+          <p:cNvSpPr>
+            <a:spLocks noGrp="1"/>
+          </p:cNvSpPr>
+          <p:nvPr>
+            <p:ph idx="1"/>
+          </p:nvPr>
+        </p:nvSpPr>
+        <p:spPr/>
+        <p:txBody>
+          <a:bodyPr>
+            <a:normAutofit/>
+          </a:bodyPr>
+          <a:lstStyle/>
+          <a:p>
+            <a:pPr marL="0" indent="0">
+              <a:buNone/>
+            </a:pPr>
+            <a:r>
+              <a:rPr lang="ru-RU" sz="2400" dirty="0" smtClean="0"/>
+              <a:t>Регистрация:</a:t>
+            </a:r>
+          </a:p>
+          <a:p>
+            <a:pPr marL="0" indent="0">
+              <a:buNone/>
+            </a:pPr>
+            <a:endParaRPr lang="en-US" sz="2200" b="1" dirty="0" smtClean="0">
+              <a:latin typeface="Consolas" panose="020B0609020204030204" pitchFamily="49" charset="0"/>
+              <a:cs typeface="Consolas" panose="020B0609020204030204" pitchFamily="49" charset="0"/>
+            </a:endParaRPr>
+          </a:p>
+          <a:p>
+            <a:pPr marL="0" indent="0">
+              <a:buNone/>
+            </a:pPr>
+            <a:r>
+              <a:rPr lang="en-US" sz="2200" b="1" dirty="0" smtClean="0">
+                <a:latin typeface="Consolas" panose="020B0609020204030204" pitchFamily="49" charset="0"/>
+                <a:cs typeface="Consolas" panose="020B0609020204030204" pitchFamily="49" charset="0"/>
+              </a:rPr>
+              <a:t>if</a:t>
+            </a:r>
+            <a:r>
+              <a:rPr lang="en-US" sz="2200" dirty="0" smtClean="0">
+                <a:latin typeface="Consolas" panose="020B0609020204030204" pitchFamily="49" charset="0"/>
+                <a:cs typeface="Consolas" panose="020B0609020204030204" pitchFamily="49" charset="0"/>
+              </a:rPr>
+              <a:t> </a:t>
+            </a:r>
+            <a:r>
+              <a:rPr lang="en-US" sz="2200" dirty="0">
+                <a:latin typeface="Consolas" panose="020B0609020204030204" pitchFamily="49" charset="0"/>
+                <a:cs typeface="Consolas" panose="020B0609020204030204" pitchFamily="49" charset="0"/>
+              </a:rPr>
+              <a:t>('</a:t>
+            </a:r>
+            <a:r>
+              <a:rPr lang="en-US" sz="2200" dirty="0" err="1">
+                <a:latin typeface="Consolas" panose="020B0609020204030204" pitchFamily="49" charset="0"/>
+                <a:cs typeface="Consolas" panose="020B0609020204030204" pitchFamily="49" charset="0"/>
+              </a:rPr>
+              <a:t>serviceWorker</a:t>
+            </a:r>
+            <a:r>
+              <a:rPr lang="en-US" sz="2200" dirty="0">
+                <a:latin typeface="Consolas" panose="020B0609020204030204" pitchFamily="49" charset="0"/>
+                <a:cs typeface="Consolas" panose="020B0609020204030204" pitchFamily="49" charset="0"/>
+              </a:rPr>
+              <a:t>' </a:t>
+            </a:r>
+            <a:r>
+              <a:rPr lang="en-US" sz="2200" b="1" dirty="0">
+                <a:latin typeface="Consolas" panose="020B0609020204030204" pitchFamily="49" charset="0"/>
+                <a:cs typeface="Consolas" panose="020B0609020204030204" pitchFamily="49" charset="0"/>
+              </a:rPr>
+              <a:t>in</a:t>
+            </a:r>
+            <a:r>
+              <a:rPr lang="en-US" sz="2200" dirty="0">
+                <a:latin typeface="Consolas" panose="020B0609020204030204" pitchFamily="49" charset="0"/>
+                <a:cs typeface="Consolas" panose="020B0609020204030204" pitchFamily="49" charset="0"/>
+              </a:rPr>
+              <a:t> navigator) {</a:t>
+            </a:r>
+          </a:p>
+          <a:p>
+            <a:pPr marL="0" indent="0">
+              <a:buNone/>
+            </a:pPr>
+            <a:r>
+              <a:rPr lang="en-US" sz="2200" dirty="0">
+                <a:latin typeface="Consolas" panose="020B0609020204030204" pitchFamily="49" charset="0"/>
+                <a:cs typeface="Consolas" panose="020B0609020204030204" pitchFamily="49" charset="0"/>
+              </a:rPr>
+              <a:t> </a:t>
+            </a:r>
+            <a:r>
+              <a:rPr lang="en-US" sz="2200" dirty="0" smtClean="0">
+                <a:latin typeface="Consolas" panose="020B0609020204030204" pitchFamily="49" charset="0"/>
+                <a:cs typeface="Consolas" panose="020B0609020204030204" pitchFamily="49" charset="0"/>
+              </a:rPr>
+              <a:t>	</a:t>
+            </a:r>
+            <a:r>
+              <a:rPr lang="en-US" sz="2200" dirty="0" err="1" smtClean="0">
+                <a:latin typeface="Consolas" panose="020B0609020204030204" pitchFamily="49" charset="0"/>
+                <a:cs typeface="Consolas" panose="020B0609020204030204" pitchFamily="49" charset="0"/>
+              </a:rPr>
+              <a:t>navigator.serviceWorker.register</a:t>
+            </a:r>
+            <a:r>
+              <a:rPr lang="en-US" sz="2200" dirty="0">
+                <a:latin typeface="Consolas" panose="020B0609020204030204" pitchFamily="49" charset="0"/>
+                <a:cs typeface="Consolas" panose="020B0609020204030204" pitchFamily="49" charset="0"/>
+              </a:rPr>
+              <a:t>(</a:t>
+            </a:r>
+            <a:r>
+              <a:rPr lang="en-US" sz="2200" dirty="0" smtClean="0">
+                <a:latin typeface="Consolas" panose="020B0609020204030204" pitchFamily="49" charset="0"/>
+                <a:cs typeface="Consolas" panose="020B0609020204030204" pitchFamily="49" charset="0"/>
+              </a:rPr>
+              <a:t>'sw.js</a:t>
+            </a:r>
+            <a:r>
+              <a:rPr lang="en-US" sz="2200" dirty="0">
+                <a:latin typeface="Consolas" panose="020B0609020204030204" pitchFamily="49" charset="0"/>
+                <a:cs typeface="Consolas" panose="020B0609020204030204" pitchFamily="49" charset="0"/>
+              </a:rPr>
+              <a:t>'</a:t>
+            </a:r>
+            <a:r>
+              <a:rPr lang="en-US" sz="2200" dirty="0" smtClean="0">
+                <a:latin typeface="Consolas" panose="020B0609020204030204" pitchFamily="49" charset="0"/>
+                <a:cs typeface="Consolas" panose="020B0609020204030204" pitchFamily="49" charset="0"/>
+              </a:rPr>
+              <a:t>)</a:t>
+            </a:r>
+          </a:p>
+          <a:p>
+            <a:pPr marL="0" indent="0">
+              <a:buNone/>
+            </a:pPr>
+            <a:r>
+              <a:rPr lang="en-US" sz="2200" dirty="0">
+                <a:latin typeface="Consolas" panose="020B0609020204030204" pitchFamily="49" charset="0"/>
+                <a:cs typeface="Consolas" panose="020B0609020204030204" pitchFamily="49" charset="0"/>
+              </a:rPr>
+              <a:t>	</a:t>
+            </a:r>
+            <a:r>
+              <a:rPr lang="en-US" sz="2200" dirty="0" smtClean="0">
+                <a:latin typeface="Consolas" panose="020B0609020204030204" pitchFamily="49" charset="0"/>
+                <a:cs typeface="Consolas" panose="020B0609020204030204" pitchFamily="49" charset="0"/>
+              </a:rPr>
+              <a:t>.then(function(</a:t>
+            </a:r>
+            <a:r>
+              <a:rPr lang="en-US" sz="2200" dirty="0" err="1" smtClean="0">
+                <a:latin typeface="Consolas" panose="020B0609020204030204" pitchFamily="49" charset="0"/>
+                <a:cs typeface="Consolas" panose="020B0609020204030204" pitchFamily="49" charset="0"/>
+              </a:rPr>
+              <a:t>reg</a:t>
+            </a:r>
+            <a:r>
+              <a:rPr lang="en-US" sz="2200" dirty="0">
+                <a:latin typeface="Consolas" panose="020B0609020204030204" pitchFamily="49" charset="0"/>
+                <a:cs typeface="Consolas" panose="020B0609020204030204" pitchFamily="49" charset="0"/>
+              </a:rPr>
+              <a:t>) {</a:t>
+            </a:r>
+          </a:p>
+          <a:p>
+            <a:pPr marL="0" indent="0">
+              <a:buNone/>
+            </a:pPr>
+            <a:r>
+              <a:rPr lang="en-US" sz="2200" dirty="0" smtClean="0">
+                <a:latin typeface="Consolas" panose="020B0609020204030204" pitchFamily="49" charset="0"/>
+                <a:cs typeface="Consolas" panose="020B0609020204030204" pitchFamily="49" charset="0"/>
+              </a:rPr>
+              <a:t>		console.log</a:t>
+            </a:r>
+            <a:r>
+              <a:rPr lang="en-US" sz="2200" dirty="0">
+                <a:latin typeface="Consolas" panose="020B0609020204030204" pitchFamily="49" charset="0"/>
+                <a:cs typeface="Consolas" panose="020B0609020204030204" pitchFamily="49" charset="0"/>
+              </a:rPr>
+              <a:t>('Registration </a:t>
+            </a:r>
+            <a:r>
+              <a:rPr lang="en-US" sz="2200" dirty="0" smtClean="0">
+                <a:latin typeface="Consolas" panose="020B0609020204030204" pitchFamily="49" charset="0"/>
+                <a:cs typeface="Consolas" panose="020B0609020204030204" pitchFamily="49" charset="0"/>
+              </a:rPr>
+              <a:t>succeeded</a:t>
+            </a:r>
+            <a:r>
+              <a:rPr lang="en-US" sz="2200" dirty="0">
+                <a:latin typeface="Consolas" panose="020B0609020204030204" pitchFamily="49" charset="0"/>
+                <a:cs typeface="Consolas" panose="020B0609020204030204" pitchFamily="49" charset="0"/>
+              </a:rPr>
+              <a:t>'</a:t>
+            </a:r>
+            <a:r>
+              <a:rPr lang="en-US" sz="2200" dirty="0" smtClean="0">
+                <a:latin typeface="Consolas" panose="020B0609020204030204" pitchFamily="49" charset="0"/>
+                <a:cs typeface="Consolas" panose="020B0609020204030204" pitchFamily="49" charset="0"/>
+              </a:rPr>
+              <a:t>);</a:t>
+            </a:r>
+            <a:endParaRPr lang="en-US" sz="2200" dirty="0">
+              <a:latin typeface="Consolas" panose="020B0609020204030204" pitchFamily="49" charset="0"/>
+              <a:cs typeface="Consolas" panose="020B0609020204030204" pitchFamily="49" charset="0"/>
+            </a:endParaRPr>
+          </a:p>
+          <a:p>
+            <a:pPr marL="0" indent="0">
+              <a:buNone/>
+            </a:pPr>
+            <a:r>
+              <a:rPr lang="en-US" sz="2200" dirty="0">
+                <a:latin typeface="Consolas" panose="020B0609020204030204" pitchFamily="49" charset="0"/>
+                <a:cs typeface="Consolas" panose="020B0609020204030204" pitchFamily="49" charset="0"/>
+              </a:rPr>
+              <a:t>  </a:t>
+            </a:r>
+            <a:r>
+              <a:rPr lang="en-US" sz="2200" dirty="0" smtClean="0">
+                <a:latin typeface="Consolas" panose="020B0609020204030204" pitchFamily="49" charset="0"/>
+                <a:cs typeface="Consolas" panose="020B0609020204030204" pitchFamily="49" charset="0"/>
+              </a:rPr>
+              <a:t>	}).</a:t>
+            </a:r>
+            <a:r>
+              <a:rPr lang="en-US" sz="2200" dirty="0">
+                <a:latin typeface="Consolas" panose="020B0609020204030204" pitchFamily="49" charset="0"/>
+                <a:cs typeface="Consolas" panose="020B0609020204030204" pitchFamily="49" charset="0"/>
+              </a:rPr>
+              <a:t>catch(function(error) {</a:t>
+            </a:r>
+          </a:p>
+          <a:p>
+            <a:pPr marL="0" indent="0">
+              <a:buNone/>
+            </a:pPr>
+            <a:r>
+              <a:rPr lang="en-US" sz="2200" dirty="0" smtClean="0">
+                <a:latin typeface="Consolas" panose="020B0609020204030204" pitchFamily="49" charset="0"/>
+                <a:cs typeface="Consolas" panose="020B0609020204030204" pitchFamily="49" charset="0"/>
+              </a:rPr>
+              <a:t>		console.log</a:t>
+            </a:r>
+            <a:r>
+              <a:rPr lang="en-US" sz="2200" dirty="0">
+                <a:latin typeface="Consolas" panose="020B0609020204030204" pitchFamily="49" charset="0"/>
+                <a:cs typeface="Consolas" panose="020B0609020204030204" pitchFamily="49" charset="0"/>
+              </a:rPr>
+              <a:t>('Registration </a:t>
+            </a:r>
+            <a:r>
+              <a:rPr lang="en-US" sz="2200" dirty="0" smtClean="0">
+                <a:latin typeface="Consolas" panose="020B0609020204030204" pitchFamily="49" charset="0"/>
+                <a:cs typeface="Consolas" panose="020B0609020204030204" pitchFamily="49" charset="0"/>
+              </a:rPr>
+              <a:t>failed');</a:t>
+            </a:r>
+            <a:endParaRPr lang="en-US" sz="2200" dirty="0">
+              <a:latin typeface="Consolas" panose="020B0609020204030204" pitchFamily="49" charset="0"/>
+              <a:cs typeface="Consolas" panose="020B0609020204030204" pitchFamily="49" charset="0"/>
+            </a:endParaRPr>
+          </a:p>
+          <a:p>
+            <a:pPr marL="0" indent="0">
+              <a:buNone/>
+            </a:pPr>
+            <a:r>
+              <a:rPr lang="en-US" sz="2200" dirty="0">
+                <a:latin typeface="Consolas" panose="020B0609020204030204" pitchFamily="49" charset="0"/>
+                <a:cs typeface="Consolas" panose="020B0609020204030204" pitchFamily="49" charset="0"/>
+              </a:rPr>
+              <a:t>  </a:t>
+            </a:r>
+            <a:r>
+              <a:rPr lang="en-US" sz="2200" dirty="0" smtClean="0">
+                <a:latin typeface="Consolas" panose="020B0609020204030204" pitchFamily="49" charset="0"/>
+                <a:cs typeface="Consolas" panose="020B0609020204030204" pitchFamily="49" charset="0"/>
+              </a:rPr>
+              <a:t>	});</a:t>
+            </a:r>
+            <a:endParaRPr lang="en-US" sz="2200" dirty="0">
+              <a:latin typeface="Consolas" panose="020B0609020204030204" pitchFamily="49" charset="0"/>
+              <a:cs typeface="Consolas" panose="020B0609020204030204" pitchFamily="49" charset="0"/>
+            </a:endParaRPr>
+          </a:p>
+          <a:p>
+            <a:pPr marL="0" indent="0">
+              <a:buNone/>
+            </a:pPr>
+            <a:r>
+              <a:rPr lang="en-US" sz="2200" dirty="0">
+                <a:latin typeface="Consolas" panose="020B0609020204030204" pitchFamily="49" charset="0"/>
+                <a:cs typeface="Consolas" panose="020B0609020204030204" pitchFamily="49" charset="0"/>
+              </a:rPr>
+              <a:t>};</a:t>
+            </a:r>
+            <a:endParaRPr lang="ru-RU" sz="2200" dirty="0">
+              <a:latin typeface="Consolas" panose="020B0609020204030204" pitchFamily="49" charset="0"/>
+              <a:cs typeface="Consolas" panose="020B0609020204030204" pitchFamily="49" charset="0"/>
+            </a:endParaRPr>
+          </a:p>
+        </p:txBody>
+      </p:sp>
+    </p:spTree>
+    <p:extLst>
+      <p:ext uri="{BB962C8B-B14F-4D97-AF65-F5344CB8AC3E}">
+        <p14:creationId xmlns:p14="http://schemas.microsoft.com/office/powerpoint/2010/main" val="2404427424"/>
+      </p:ext>
+    </p:extLst>
+  </p:cSld>
+  <p:clrMapOvr>
+    <a:masterClrMapping/>
+  </p:clrMapOvr>
+  <p:timing>
+    <p:tnLst>
+      <p:par>
+        <p:cTn id="1" dur="indefinite" restart="never" nodeType="tmRoot"/>
+      </p:par>
+    </p:tnLst>
+  </p:timing>
+</p:sld>
+</file>
+
+<file path=ppt/slides/slide11.xml><?xml version="1.0" encoding="utf-8"?>
+<p:sld xmlns:a="http://schemas.openxmlformats.org/drawingml/2006/main" xmlns:r="http://schemas.openxmlformats.org/officeDocument/2006/relationships" xmlns:p="http://schemas.openxmlformats.org/presentationml/2006/main">
+  <p:cSld>
+    <p:spTree>
+      <p:nvGrpSpPr>
+        <p:cNvPr id="1" name=""/>
+        <p:cNvGrpSpPr/>
+        <p:nvPr/>
+      </p:nvGrpSpPr>
+      <p:grpSpPr>
+        <a:xfrm>
+          <a:off x="0" y="0"/>
+          <a:ext cx="0" cy="0"/>
+          <a:chOff x="0" y="0"/>
+          <a:chExt cx="0" cy="0"/>
+        </a:xfrm>
+      </p:grpSpPr>
+      <p:sp>
+        <p:nvSpPr>
+          <p:cNvPr id="3" name="Объект 2"/>
+          <p:cNvSpPr>
+            <a:spLocks noGrp="1"/>
+          </p:cNvSpPr>
+          <p:nvPr>
+            <p:ph idx="1"/>
+          </p:nvPr>
+        </p:nvSpPr>
+        <p:spPr>
+          <a:xfrm>
+            <a:off x="1120000" y="239486"/>
+            <a:ext cx="10233800" cy="5937477"/>
+          </a:xfrm>
+        </p:spPr>
+        <p:txBody>
+          <a:bodyPr>
+            <a:normAutofit fontScale="92500" lnSpcReduction="10000"/>
+          </a:bodyPr>
+          <a:lstStyle/>
+          <a:p>
+            <a:pPr marL="0" indent="0">
+              <a:buNone/>
+            </a:pPr>
+            <a:r>
+              <a:rPr lang="ru-RU" sz="2400" dirty="0" smtClean="0"/>
+              <a:t>Открытие кэша:</a:t>
+            </a:r>
+          </a:p>
+          <a:p>
+            <a:pPr marL="0" indent="0">
+              <a:buNone/>
+            </a:pPr>
+            <a:r>
+              <a:rPr lang="en-US" sz="2200" b="1" dirty="0" smtClean="0">
+                <a:latin typeface="Consolas" panose="020B0609020204030204" pitchFamily="49" charset="0"/>
+                <a:cs typeface="Consolas" panose="020B0609020204030204" pitchFamily="49" charset="0"/>
+              </a:rPr>
+              <a:t>// sw.js</a:t>
+            </a:r>
+          </a:p>
+          <a:p>
+            <a:pPr marL="0" indent="0">
+              <a:buNone/>
+            </a:pPr>
+            <a:r>
+              <a:rPr lang="en-US" sz="2200" b="1" dirty="0" err="1">
+                <a:latin typeface="Consolas" panose="020B0609020204030204" pitchFamily="49" charset="0"/>
+                <a:cs typeface="Consolas" panose="020B0609020204030204" pitchFamily="49" charset="0"/>
+              </a:rPr>
+              <a:t>this.addEventListener</a:t>
+            </a:r>
+            <a:r>
+              <a:rPr lang="en-US" sz="2200" b="1" dirty="0">
+                <a:latin typeface="Consolas" panose="020B0609020204030204" pitchFamily="49" charset="0"/>
+                <a:cs typeface="Consolas" panose="020B0609020204030204" pitchFamily="49" charset="0"/>
+              </a:rPr>
+              <a:t>('install', function(event) {</a:t>
+            </a:r>
+          </a:p>
+          <a:p>
+            <a:pPr marL="0" indent="0">
+              <a:buNone/>
+            </a:pPr>
+            <a:r>
+              <a:rPr lang="en-US" sz="2200" b="1" dirty="0">
+                <a:latin typeface="Consolas" panose="020B0609020204030204" pitchFamily="49" charset="0"/>
+                <a:cs typeface="Consolas" panose="020B0609020204030204" pitchFamily="49" charset="0"/>
+              </a:rPr>
+              <a:t>  </a:t>
+            </a:r>
+            <a:r>
+              <a:rPr lang="en-US" sz="2200" b="1" dirty="0" err="1">
+                <a:latin typeface="Consolas" panose="020B0609020204030204" pitchFamily="49" charset="0"/>
+                <a:cs typeface="Consolas" panose="020B0609020204030204" pitchFamily="49" charset="0"/>
+              </a:rPr>
+              <a:t>event.waitUntil</a:t>
+            </a:r>
+            <a:r>
+              <a:rPr lang="en-US" sz="2200" b="1" dirty="0" smtClean="0">
+                <a:latin typeface="Consolas" panose="020B0609020204030204" pitchFamily="49" charset="0"/>
+                <a:cs typeface="Consolas" panose="020B0609020204030204" pitchFamily="49" charset="0"/>
+              </a:rPr>
+              <a:t>( </a:t>
+            </a:r>
+            <a:r>
+              <a:rPr lang="ru-RU" sz="2200" b="1" dirty="0" smtClean="0">
+                <a:latin typeface="Consolas" panose="020B0609020204030204" pitchFamily="49" charset="0"/>
+                <a:cs typeface="Consolas" panose="020B0609020204030204" pitchFamily="49" charset="0"/>
+              </a:rPr>
+              <a:t>                   </a:t>
+            </a:r>
+            <a:r>
+              <a:rPr lang="en-US" sz="2200" b="1" dirty="0" smtClean="0">
+                <a:latin typeface="Consolas" panose="020B0609020204030204" pitchFamily="49" charset="0"/>
+                <a:cs typeface="Consolas" panose="020B0609020204030204" pitchFamily="49" charset="0"/>
+              </a:rPr>
+              <a:t>//</a:t>
+            </a:r>
+            <a:r>
+              <a:rPr lang="ru-RU" sz="2200" b="1" dirty="0" smtClean="0">
+                <a:latin typeface="Consolas" panose="020B0609020204030204" pitchFamily="49" charset="0"/>
+                <a:cs typeface="Consolas" panose="020B0609020204030204" pitchFamily="49" charset="0"/>
+              </a:rPr>
+              <a:t> инсталляция не произойдет в случае неудачи</a:t>
+            </a:r>
+            <a:endParaRPr lang="en-US" sz="2200" b="1" dirty="0">
+              <a:latin typeface="Consolas" panose="020B0609020204030204" pitchFamily="49" charset="0"/>
+              <a:cs typeface="Consolas" panose="020B0609020204030204" pitchFamily="49" charset="0"/>
+            </a:endParaRPr>
+          </a:p>
+          <a:p>
+            <a:pPr marL="0" indent="0">
+              <a:buNone/>
+            </a:pPr>
+            <a:r>
+              <a:rPr lang="en-US" sz="2200" b="1" dirty="0">
+                <a:latin typeface="Consolas" panose="020B0609020204030204" pitchFamily="49" charset="0"/>
+                <a:cs typeface="Consolas" panose="020B0609020204030204" pitchFamily="49" charset="0"/>
+              </a:rPr>
+              <a:t>    </a:t>
+            </a:r>
+            <a:r>
+              <a:rPr lang="en-US" sz="2200" b="1" dirty="0" err="1">
+                <a:latin typeface="Consolas" panose="020B0609020204030204" pitchFamily="49" charset="0"/>
+                <a:cs typeface="Consolas" panose="020B0609020204030204" pitchFamily="49" charset="0"/>
+              </a:rPr>
+              <a:t>caches.open</a:t>
+            </a:r>
+            <a:r>
+              <a:rPr lang="en-US" sz="2200" b="1" dirty="0">
+                <a:latin typeface="Consolas" panose="020B0609020204030204" pitchFamily="49" charset="0"/>
+                <a:cs typeface="Consolas" panose="020B0609020204030204" pitchFamily="49" charset="0"/>
+              </a:rPr>
+              <a:t>('v1</a:t>
+            </a:r>
+            <a:r>
+              <a:rPr lang="en-US" sz="2200" b="1" dirty="0" smtClean="0">
+                <a:latin typeface="Consolas" panose="020B0609020204030204" pitchFamily="49" charset="0"/>
+                <a:cs typeface="Consolas" panose="020B0609020204030204" pitchFamily="49" charset="0"/>
+              </a:rPr>
+              <a:t>').</a:t>
+            </a:r>
+            <a:r>
+              <a:rPr lang="en-US" sz="2200" b="1" dirty="0">
+                <a:latin typeface="Consolas" panose="020B0609020204030204" pitchFamily="49" charset="0"/>
+                <a:cs typeface="Consolas" panose="020B0609020204030204" pitchFamily="49" charset="0"/>
+              </a:rPr>
+              <a:t>then(function(cache) </a:t>
+            </a:r>
+            <a:r>
+              <a:rPr lang="en-US" sz="2200" b="1" dirty="0" smtClean="0">
+                <a:latin typeface="Consolas" panose="020B0609020204030204" pitchFamily="49" charset="0"/>
+                <a:cs typeface="Consolas" panose="020B0609020204030204" pitchFamily="49" charset="0"/>
+              </a:rPr>
+              <a:t>{</a:t>
+            </a:r>
+            <a:endParaRPr lang="en-US" sz="2200" b="1" dirty="0">
+              <a:latin typeface="Consolas" panose="020B0609020204030204" pitchFamily="49" charset="0"/>
+              <a:cs typeface="Consolas" panose="020B0609020204030204" pitchFamily="49" charset="0"/>
+            </a:endParaRPr>
+          </a:p>
+          <a:p>
+            <a:pPr marL="0" indent="0">
+              <a:buNone/>
+            </a:pPr>
+            <a:r>
+              <a:rPr lang="en-US" sz="2200" b="1" dirty="0">
+                <a:latin typeface="Consolas" panose="020B0609020204030204" pitchFamily="49" charset="0"/>
+                <a:cs typeface="Consolas" panose="020B0609020204030204" pitchFamily="49" charset="0"/>
+              </a:rPr>
+              <a:t>      return </a:t>
+            </a:r>
+            <a:r>
+              <a:rPr lang="en-US" sz="2200" b="1" dirty="0" err="1">
+                <a:latin typeface="Consolas" panose="020B0609020204030204" pitchFamily="49" charset="0"/>
+                <a:cs typeface="Consolas" panose="020B0609020204030204" pitchFamily="49" charset="0"/>
+              </a:rPr>
+              <a:t>cache.addAll</a:t>
+            </a:r>
+            <a:r>
+              <a:rPr lang="en-US" sz="2200" b="1" dirty="0">
+                <a:latin typeface="Consolas" panose="020B0609020204030204" pitchFamily="49" charset="0"/>
+                <a:cs typeface="Consolas" panose="020B0609020204030204" pitchFamily="49" charset="0"/>
+              </a:rPr>
+              <a:t>([</a:t>
+            </a:r>
+          </a:p>
+          <a:p>
+            <a:pPr marL="0" indent="0">
+              <a:buNone/>
+            </a:pPr>
+            <a:r>
+              <a:rPr lang="ru-RU" sz="2200" b="1" dirty="0">
+                <a:latin typeface="Consolas" panose="020B0609020204030204" pitchFamily="49" charset="0"/>
+                <a:cs typeface="Consolas" panose="020B0609020204030204" pitchFamily="49" charset="0"/>
+              </a:rPr>
+              <a:t> </a:t>
+            </a:r>
+            <a:r>
+              <a:rPr lang="ru-RU" sz="2200" b="1" dirty="0" smtClean="0">
+                <a:latin typeface="Consolas" panose="020B0609020204030204" pitchFamily="49" charset="0"/>
+                <a:cs typeface="Consolas" panose="020B0609020204030204" pitchFamily="49" charset="0"/>
+              </a:rPr>
+              <a:t>       </a:t>
+            </a:r>
+            <a:r>
+              <a:rPr lang="en-US" sz="2200" b="1" dirty="0" smtClean="0">
+                <a:latin typeface="Consolas" panose="020B0609020204030204" pitchFamily="49" charset="0"/>
+                <a:cs typeface="Consolas" panose="020B0609020204030204" pitchFamily="49" charset="0"/>
+              </a:rPr>
+              <a:t>'index.html',</a:t>
+            </a:r>
+            <a:r>
+              <a:rPr lang="ru-RU" sz="2200" b="1" dirty="0" smtClean="0">
+                <a:latin typeface="Consolas" panose="020B0609020204030204" pitchFamily="49" charset="0"/>
+                <a:cs typeface="Consolas" panose="020B0609020204030204" pitchFamily="49" charset="0"/>
+              </a:rPr>
+              <a:t>            </a:t>
+            </a:r>
+            <a:r>
+              <a:rPr lang="en-US" sz="2200" b="1" dirty="0" smtClean="0">
+                <a:latin typeface="Consolas" panose="020B0609020204030204" pitchFamily="49" charset="0"/>
+                <a:cs typeface="Consolas" panose="020B0609020204030204" pitchFamily="49" charset="0"/>
+              </a:rPr>
+              <a:t>     </a:t>
+            </a:r>
+            <a:r>
+              <a:rPr lang="ru-RU" sz="2200" b="1" dirty="0" smtClean="0">
+                <a:latin typeface="Consolas" panose="020B0609020204030204" pitchFamily="49" charset="0"/>
+                <a:cs typeface="Consolas" panose="020B0609020204030204" pitchFamily="49" charset="0"/>
+              </a:rPr>
+              <a:t>// </a:t>
+            </a:r>
+            <a:r>
+              <a:rPr lang="en-US" sz="2200" b="1" dirty="0" smtClean="0">
+                <a:latin typeface="Consolas" panose="020B0609020204030204" pitchFamily="49" charset="0"/>
+                <a:cs typeface="Consolas" panose="020B0609020204030204" pitchFamily="49" charset="0"/>
+              </a:rPr>
+              <a:t>URL </a:t>
+            </a:r>
+            <a:r>
+              <a:rPr lang="ru-RU" sz="2200" b="1" dirty="0" smtClean="0">
+                <a:latin typeface="Consolas" panose="020B0609020204030204" pitchFamily="49" charset="0"/>
+                <a:cs typeface="Consolas" panose="020B0609020204030204" pitchFamily="49" charset="0"/>
+              </a:rPr>
+              <a:t>ресурсов относительно </a:t>
+            </a:r>
+            <a:r>
+              <a:rPr lang="en-US" sz="2200" b="1" dirty="0" smtClean="0">
+                <a:latin typeface="Consolas" panose="020B0609020204030204" pitchFamily="49" charset="0"/>
+                <a:cs typeface="Consolas" panose="020B0609020204030204" pitchFamily="49" charset="0"/>
+              </a:rPr>
+              <a:t>origin</a:t>
+            </a:r>
+            <a:endParaRPr lang="en-US" sz="2200" b="1" dirty="0">
+              <a:latin typeface="Consolas" panose="020B0609020204030204" pitchFamily="49" charset="0"/>
+              <a:cs typeface="Consolas" panose="020B0609020204030204" pitchFamily="49" charset="0"/>
+            </a:endParaRPr>
+          </a:p>
+          <a:p>
+            <a:pPr marL="0" indent="0">
+              <a:buNone/>
+            </a:pPr>
+            <a:r>
+              <a:rPr lang="en-US" sz="2200" b="1" dirty="0">
+                <a:latin typeface="Consolas" panose="020B0609020204030204" pitchFamily="49" charset="0"/>
+                <a:cs typeface="Consolas" panose="020B0609020204030204" pitchFamily="49" charset="0"/>
+              </a:rPr>
+              <a:t>        </a:t>
+            </a:r>
+            <a:r>
+              <a:rPr lang="en-US" sz="2200" b="1" dirty="0" smtClean="0">
+                <a:latin typeface="Consolas" panose="020B0609020204030204" pitchFamily="49" charset="0"/>
+                <a:cs typeface="Consolas" panose="020B0609020204030204" pitchFamily="49" charset="0"/>
+              </a:rPr>
+              <a:t>'style.css</a:t>
+            </a:r>
+            <a:r>
+              <a:rPr lang="en-US" sz="2200" b="1" dirty="0">
+                <a:latin typeface="Consolas" panose="020B0609020204030204" pitchFamily="49" charset="0"/>
+                <a:cs typeface="Consolas" panose="020B0609020204030204" pitchFamily="49" charset="0"/>
+              </a:rPr>
+              <a:t>',</a:t>
+            </a:r>
+          </a:p>
+          <a:p>
+            <a:pPr marL="0" indent="0">
+              <a:buNone/>
+            </a:pPr>
+            <a:r>
+              <a:rPr lang="en-US" sz="2200" b="1" dirty="0">
+                <a:latin typeface="Consolas" panose="020B0609020204030204" pitchFamily="49" charset="0"/>
+                <a:cs typeface="Consolas" panose="020B0609020204030204" pitchFamily="49" charset="0"/>
+              </a:rPr>
+              <a:t>        </a:t>
+            </a:r>
+            <a:r>
+              <a:rPr lang="en-US" sz="2200" b="1" dirty="0" smtClean="0">
+                <a:latin typeface="Consolas" panose="020B0609020204030204" pitchFamily="49" charset="0"/>
+                <a:cs typeface="Consolas" panose="020B0609020204030204" pitchFamily="49" charset="0"/>
+              </a:rPr>
+              <a:t>'app.js</a:t>
+            </a:r>
+            <a:r>
+              <a:rPr lang="en-US" sz="2200" b="1" dirty="0">
+                <a:latin typeface="Consolas" panose="020B0609020204030204" pitchFamily="49" charset="0"/>
+                <a:cs typeface="Consolas" panose="020B0609020204030204" pitchFamily="49" charset="0"/>
+              </a:rPr>
+              <a:t>',</a:t>
+            </a:r>
+          </a:p>
+          <a:p>
+            <a:pPr marL="0" indent="0">
+              <a:buNone/>
+            </a:pPr>
+            <a:r>
+              <a:rPr lang="en-US" sz="2200" b="1" dirty="0">
+                <a:latin typeface="Consolas" panose="020B0609020204030204" pitchFamily="49" charset="0"/>
+                <a:cs typeface="Consolas" panose="020B0609020204030204" pitchFamily="49" charset="0"/>
+              </a:rPr>
+              <a:t>        </a:t>
+            </a:r>
+            <a:r>
+              <a:rPr lang="en-US" sz="2200" b="1" dirty="0" smtClean="0">
+                <a:latin typeface="Consolas" panose="020B0609020204030204" pitchFamily="49" charset="0"/>
+                <a:cs typeface="Consolas" panose="020B0609020204030204" pitchFamily="49" charset="0"/>
+              </a:rPr>
+              <a:t>'image.jpg'</a:t>
+            </a:r>
+          </a:p>
+          <a:p>
+            <a:pPr marL="0" indent="0">
+              <a:buNone/>
+            </a:pPr>
+            <a:r>
+              <a:rPr lang="en-US" sz="2200" b="1" dirty="0">
+                <a:latin typeface="Consolas" panose="020B0609020204030204" pitchFamily="49" charset="0"/>
+                <a:cs typeface="Consolas" panose="020B0609020204030204" pitchFamily="49" charset="0"/>
+              </a:rPr>
+              <a:t> </a:t>
+            </a:r>
+            <a:r>
+              <a:rPr lang="en-US" sz="2200" b="1" dirty="0" smtClean="0">
+                <a:latin typeface="Consolas" panose="020B0609020204030204" pitchFamily="49" charset="0"/>
+                <a:cs typeface="Consolas" panose="020B0609020204030204" pitchFamily="49" charset="0"/>
+              </a:rPr>
+              <a:t>     ]);</a:t>
+            </a:r>
+            <a:endParaRPr lang="en-US" sz="2200" b="1" dirty="0">
+              <a:latin typeface="Consolas" panose="020B0609020204030204" pitchFamily="49" charset="0"/>
+              <a:cs typeface="Consolas" panose="020B0609020204030204" pitchFamily="49" charset="0"/>
+            </a:endParaRPr>
+          </a:p>
+          <a:p>
+            <a:pPr marL="0" indent="0">
+              <a:buNone/>
+            </a:pPr>
+            <a:r>
+              <a:rPr lang="en-US" sz="2200" b="1" dirty="0">
+                <a:latin typeface="Consolas" panose="020B0609020204030204" pitchFamily="49" charset="0"/>
+                <a:cs typeface="Consolas" panose="020B0609020204030204" pitchFamily="49" charset="0"/>
+              </a:rPr>
+              <a:t>    })</a:t>
+            </a:r>
+          </a:p>
+          <a:p>
+            <a:pPr marL="0" indent="0">
+              <a:buNone/>
+            </a:pPr>
+            <a:r>
+              <a:rPr lang="en-US" sz="2200" b="1" dirty="0">
+                <a:latin typeface="Consolas" panose="020B0609020204030204" pitchFamily="49" charset="0"/>
+                <a:cs typeface="Consolas" panose="020B0609020204030204" pitchFamily="49" charset="0"/>
+              </a:rPr>
+              <a:t>  );</a:t>
+            </a:r>
+          </a:p>
+          <a:p>
+            <a:pPr marL="0" indent="0">
+              <a:buNone/>
+            </a:pPr>
+            <a:r>
+              <a:rPr lang="en-US" sz="2200" b="1" dirty="0">
+                <a:latin typeface="Consolas" panose="020B0609020204030204" pitchFamily="49" charset="0"/>
+                <a:cs typeface="Consolas" panose="020B0609020204030204" pitchFamily="49" charset="0"/>
+              </a:rPr>
+              <a:t>});</a:t>
+            </a:r>
+            <a:endParaRPr lang="ru-RU" sz="2200" dirty="0">
+              <a:latin typeface="Consolas" panose="020B0609020204030204" pitchFamily="49" charset="0"/>
+              <a:cs typeface="Consolas" panose="020B0609020204030204" pitchFamily="49" charset="0"/>
+            </a:endParaRPr>
+          </a:p>
+        </p:txBody>
+      </p:sp>
+    </p:spTree>
+    <p:extLst>
+      <p:ext uri="{BB962C8B-B14F-4D97-AF65-F5344CB8AC3E}">
+        <p14:creationId xmlns:p14="http://schemas.microsoft.com/office/powerpoint/2010/main" val="3984888262"/>
+      </p:ext>
+    </p:extLst>
+  </p:cSld>
+  <p:clrMapOvr>
+    <a:masterClrMapping/>
+  </p:clrMapOvr>
+  <p:timing>
+    <p:tnLst>
+      <p:par>
+        <p:cTn id="1" dur="indefinite" restart="never" nodeType="tmRoot"/>
+      </p:par>
+    </p:tnLst>
+  </p:timing>
+</p:sld>
+</file>
+
+<file path=ppt/slides/slide12.xml><?xml version="1.0" encoding="utf-8"?>
+<p:sld xmlns:a="http://schemas.openxmlformats.org/drawingml/2006/main" xmlns:r="http://schemas.openxmlformats.org/officeDocument/2006/relationships" xmlns:p="http://schemas.openxmlformats.org/presentationml/2006/main">
+  <p:cSld>
+    <p:spTree>
+      <p:nvGrpSpPr>
+        <p:cNvPr id="1" name=""/>
+        <p:cNvGrpSpPr/>
+        <p:nvPr/>
+      </p:nvGrpSpPr>
+      <p:grpSpPr>
+        <a:xfrm>
+          <a:off x="0" y="0"/>
+          <a:ext cx="0" cy="0"/>
+          <a:chOff x="0" y="0"/>
+          <a:chExt cx="0" cy="0"/>
+        </a:xfrm>
+      </p:grpSpPr>
+      <p:sp>
+        <p:nvSpPr>
+          <p:cNvPr id="3" name="Объект 2"/>
+          <p:cNvSpPr>
+            <a:spLocks noGrp="1"/>
+          </p:cNvSpPr>
+          <p:nvPr>
+            <p:ph idx="1"/>
+          </p:nvPr>
+        </p:nvSpPr>
+        <p:spPr>
+          <a:xfrm>
+            <a:off x="1120000" y="239486"/>
+            <a:ext cx="10233800" cy="5937477"/>
+          </a:xfrm>
+        </p:spPr>
+        <p:txBody>
+          <a:bodyPr>
+            <a:normAutofit fontScale="92500" lnSpcReduction="10000"/>
+          </a:bodyPr>
+          <a:lstStyle/>
+          <a:p>
+            <a:pPr marL="0" indent="0">
+              <a:buNone/>
+            </a:pPr>
+            <a:r>
+              <a:rPr lang="ru-RU" sz="2400" dirty="0" smtClean="0"/>
+              <a:t>Обработка запросов:</a:t>
+            </a:r>
+          </a:p>
+          <a:p>
+            <a:pPr marL="0" indent="0">
+              <a:buNone/>
+            </a:pPr>
+            <a:r>
+              <a:rPr lang="en-US" sz="2200" b="1" dirty="0" smtClean="0">
+                <a:latin typeface="Consolas" panose="020B0609020204030204" pitchFamily="49" charset="0"/>
+                <a:cs typeface="Consolas" panose="020B0609020204030204" pitchFamily="49" charset="0"/>
+              </a:rPr>
+              <a:t>// sw.js</a:t>
+            </a:r>
+          </a:p>
+          <a:p>
+            <a:pPr marL="0" indent="0">
+              <a:buNone/>
+            </a:pPr>
+            <a:r>
+              <a:rPr lang="en-US" sz="2200" b="1" dirty="0" err="1">
+                <a:latin typeface="Consolas" panose="020B0609020204030204" pitchFamily="49" charset="0"/>
+                <a:cs typeface="Consolas" panose="020B0609020204030204" pitchFamily="49" charset="0"/>
+              </a:rPr>
+              <a:t>this.addEventListener</a:t>
+            </a:r>
+            <a:r>
+              <a:rPr lang="en-US" sz="2200" b="1" dirty="0">
+                <a:latin typeface="Consolas" panose="020B0609020204030204" pitchFamily="49" charset="0"/>
+                <a:cs typeface="Consolas" panose="020B0609020204030204" pitchFamily="49" charset="0"/>
+              </a:rPr>
+              <a:t>('fetch', function(event) {</a:t>
+            </a:r>
+          </a:p>
+          <a:p>
+            <a:pPr marL="0" indent="0">
+              <a:buNone/>
+            </a:pPr>
+            <a:r>
+              <a:rPr lang="en-US" sz="2200" b="1" dirty="0">
+                <a:latin typeface="Consolas" panose="020B0609020204030204" pitchFamily="49" charset="0"/>
+                <a:cs typeface="Consolas" panose="020B0609020204030204" pitchFamily="49" charset="0"/>
+              </a:rPr>
+              <a:t>  </a:t>
+            </a:r>
+            <a:r>
+              <a:rPr lang="en-US" sz="2200" b="1" dirty="0" err="1">
+                <a:latin typeface="Consolas" panose="020B0609020204030204" pitchFamily="49" charset="0"/>
+                <a:cs typeface="Consolas" panose="020B0609020204030204" pitchFamily="49" charset="0"/>
+              </a:rPr>
+              <a:t>var</a:t>
+            </a:r>
+            <a:r>
+              <a:rPr lang="en-US" sz="2200" b="1" dirty="0">
+                <a:latin typeface="Consolas" panose="020B0609020204030204" pitchFamily="49" charset="0"/>
+                <a:cs typeface="Consolas" panose="020B0609020204030204" pitchFamily="49" charset="0"/>
+              </a:rPr>
+              <a:t> response;</a:t>
+            </a:r>
+          </a:p>
+          <a:p>
+            <a:pPr marL="0" indent="0">
+              <a:buNone/>
+            </a:pPr>
+            <a:r>
+              <a:rPr lang="en-US" sz="2200" b="1" dirty="0">
+                <a:latin typeface="Consolas" panose="020B0609020204030204" pitchFamily="49" charset="0"/>
+                <a:cs typeface="Consolas" panose="020B0609020204030204" pitchFamily="49" charset="0"/>
+              </a:rPr>
+              <a:t>  </a:t>
+            </a:r>
+            <a:r>
+              <a:rPr lang="en-US" sz="2200" b="1" dirty="0" err="1">
+                <a:latin typeface="Consolas" panose="020B0609020204030204" pitchFamily="49" charset="0"/>
+                <a:cs typeface="Consolas" panose="020B0609020204030204" pitchFamily="49" charset="0"/>
+              </a:rPr>
+              <a:t>event.respondWith</a:t>
+            </a:r>
+            <a:r>
+              <a:rPr lang="en-US" sz="2200" b="1" dirty="0">
+                <a:latin typeface="Consolas" panose="020B0609020204030204" pitchFamily="49" charset="0"/>
+                <a:cs typeface="Consolas" panose="020B0609020204030204" pitchFamily="49" charset="0"/>
+              </a:rPr>
+              <a:t>(</a:t>
+            </a:r>
+            <a:r>
+              <a:rPr lang="en-US" sz="2200" b="1" dirty="0" err="1">
+                <a:latin typeface="Consolas" panose="020B0609020204030204" pitchFamily="49" charset="0"/>
+                <a:cs typeface="Consolas" panose="020B0609020204030204" pitchFamily="49" charset="0"/>
+              </a:rPr>
+              <a:t>caches.match</a:t>
+            </a:r>
+            <a:r>
+              <a:rPr lang="en-US" sz="2200" b="1" dirty="0">
+                <a:latin typeface="Consolas" panose="020B0609020204030204" pitchFamily="49" charset="0"/>
+                <a:cs typeface="Consolas" panose="020B0609020204030204" pitchFamily="49" charset="0"/>
+              </a:rPr>
+              <a:t>(</a:t>
+            </a:r>
+            <a:r>
+              <a:rPr lang="en-US" sz="2200" b="1" dirty="0" err="1">
+                <a:latin typeface="Consolas" panose="020B0609020204030204" pitchFamily="49" charset="0"/>
+                <a:cs typeface="Consolas" panose="020B0609020204030204" pitchFamily="49" charset="0"/>
+              </a:rPr>
+              <a:t>event.request</a:t>
+            </a:r>
+            <a:r>
+              <a:rPr lang="en-US" sz="2200" b="1" dirty="0">
+                <a:latin typeface="Consolas" panose="020B0609020204030204" pitchFamily="49" charset="0"/>
+                <a:cs typeface="Consolas" panose="020B0609020204030204" pitchFamily="49" charset="0"/>
+              </a:rPr>
+              <a:t>).catch(function() {</a:t>
+            </a:r>
+          </a:p>
+          <a:p>
+            <a:pPr marL="0" indent="0">
+              <a:buNone/>
+            </a:pPr>
+            <a:r>
+              <a:rPr lang="en-US" sz="2200" b="1" dirty="0">
+                <a:latin typeface="Consolas" panose="020B0609020204030204" pitchFamily="49" charset="0"/>
+                <a:cs typeface="Consolas" panose="020B0609020204030204" pitchFamily="49" charset="0"/>
+              </a:rPr>
+              <a:t>    return fetch(</a:t>
+            </a:r>
+            <a:r>
+              <a:rPr lang="en-US" sz="2200" b="1" dirty="0" err="1">
+                <a:latin typeface="Consolas" panose="020B0609020204030204" pitchFamily="49" charset="0"/>
+                <a:cs typeface="Consolas" panose="020B0609020204030204" pitchFamily="49" charset="0"/>
+              </a:rPr>
+              <a:t>event.request</a:t>
+            </a:r>
+            <a:r>
+              <a:rPr lang="en-US" sz="2200" b="1" dirty="0">
+                <a:latin typeface="Consolas" panose="020B0609020204030204" pitchFamily="49" charset="0"/>
+                <a:cs typeface="Consolas" panose="020B0609020204030204" pitchFamily="49" charset="0"/>
+              </a:rPr>
+              <a:t>);</a:t>
+            </a:r>
+          </a:p>
+          <a:p>
+            <a:pPr marL="0" indent="0">
+              <a:buNone/>
+            </a:pPr>
+            <a:r>
+              <a:rPr lang="en-US" sz="2200" b="1" dirty="0">
+                <a:latin typeface="Consolas" panose="020B0609020204030204" pitchFamily="49" charset="0"/>
+                <a:cs typeface="Consolas" panose="020B0609020204030204" pitchFamily="49" charset="0"/>
+              </a:rPr>
+              <a:t>  }).then(function(r) {</a:t>
+            </a:r>
+          </a:p>
+          <a:p>
+            <a:pPr marL="0" indent="0">
+              <a:buNone/>
+            </a:pPr>
+            <a:r>
+              <a:rPr lang="en-US" sz="2200" b="1" dirty="0">
+                <a:latin typeface="Consolas" panose="020B0609020204030204" pitchFamily="49" charset="0"/>
+                <a:cs typeface="Consolas" panose="020B0609020204030204" pitchFamily="49" charset="0"/>
+              </a:rPr>
+              <a:t>    response = r;</a:t>
+            </a:r>
+          </a:p>
+          <a:p>
+            <a:pPr marL="0" indent="0">
+              <a:buNone/>
+            </a:pPr>
+            <a:r>
+              <a:rPr lang="en-US" sz="2200" b="1" dirty="0">
+                <a:latin typeface="Consolas" panose="020B0609020204030204" pitchFamily="49" charset="0"/>
+                <a:cs typeface="Consolas" panose="020B0609020204030204" pitchFamily="49" charset="0"/>
+              </a:rPr>
+              <a:t>    </a:t>
+            </a:r>
+            <a:r>
+              <a:rPr lang="en-US" sz="2200" b="1" dirty="0" err="1">
+                <a:latin typeface="Consolas" panose="020B0609020204030204" pitchFamily="49" charset="0"/>
+                <a:cs typeface="Consolas" panose="020B0609020204030204" pitchFamily="49" charset="0"/>
+              </a:rPr>
+              <a:t>caches.open</a:t>
+            </a:r>
+            <a:r>
+              <a:rPr lang="en-US" sz="2200" b="1" dirty="0">
+                <a:latin typeface="Consolas" panose="020B0609020204030204" pitchFamily="49" charset="0"/>
+                <a:cs typeface="Consolas" panose="020B0609020204030204" pitchFamily="49" charset="0"/>
+              </a:rPr>
+              <a:t>('v1').then(function(cache) {</a:t>
+            </a:r>
+          </a:p>
+          <a:p>
+            <a:pPr marL="0" indent="0">
+              <a:buNone/>
+            </a:pPr>
+            <a:r>
+              <a:rPr lang="en-US" sz="2200" b="1" dirty="0">
+                <a:latin typeface="Consolas" panose="020B0609020204030204" pitchFamily="49" charset="0"/>
+                <a:cs typeface="Consolas" panose="020B0609020204030204" pitchFamily="49" charset="0"/>
+              </a:rPr>
+              <a:t>      </a:t>
+            </a:r>
+            <a:r>
+              <a:rPr lang="en-US" sz="2200" b="1" dirty="0" err="1">
+                <a:latin typeface="Consolas" panose="020B0609020204030204" pitchFamily="49" charset="0"/>
+                <a:cs typeface="Consolas" panose="020B0609020204030204" pitchFamily="49" charset="0"/>
+              </a:rPr>
+              <a:t>cache.put</a:t>
+            </a:r>
+            <a:r>
+              <a:rPr lang="en-US" sz="2200" b="1" dirty="0">
+                <a:latin typeface="Consolas" panose="020B0609020204030204" pitchFamily="49" charset="0"/>
+                <a:cs typeface="Consolas" panose="020B0609020204030204" pitchFamily="49" charset="0"/>
+              </a:rPr>
+              <a:t>(</a:t>
+            </a:r>
+            <a:r>
+              <a:rPr lang="en-US" sz="2200" b="1" dirty="0" err="1">
+                <a:latin typeface="Consolas" panose="020B0609020204030204" pitchFamily="49" charset="0"/>
+                <a:cs typeface="Consolas" panose="020B0609020204030204" pitchFamily="49" charset="0"/>
+              </a:rPr>
+              <a:t>event.request</a:t>
+            </a:r>
+            <a:r>
+              <a:rPr lang="en-US" sz="2200" b="1" dirty="0">
+                <a:latin typeface="Consolas" panose="020B0609020204030204" pitchFamily="49" charset="0"/>
+                <a:cs typeface="Consolas" panose="020B0609020204030204" pitchFamily="49" charset="0"/>
+              </a:rPr>
+              <a:t>, response);</a:t>
+            </a:r>
+          </a:p>
+          <a:p>
+            <a:pPr marL="0" indent="0">
+              <a:buNone/>
+            </a:pPr>
+            <a:r>
+              <a:rPr lang="en-US" sz="2200" b="1" dirty="0">
+                <a:latin typeface="Consolas" panose="020B0609020204030204" pitchFamily="49" charset="0"/>
+                <a:cs typeface="Consolas" panose="020B0609020204030204" pitchFamily="49" charset="0"/>
+              </a:rPr>
+              <a:t>    });</a:t>
+            </a:r>
+          </a:p>
+          <a:p>
+            <a:pPr marL="0" indent="0">
+              <a:buNone/>
+            </a:pPr>
+            <a:r>
+              <a:rPr lang="en-US" sz="2200" b="1" dirty="0">
+                <a:latin typeface="Consolas" panose="020B0609020204030204" pitchFamily="49" charset="0"/>
+                <a:cs typeface="Consolas" panose="020B0609020204030204" pitchFamily="49" charset="0"/>
+              </a:rPr>
+              <a:t>    return </a:t>
+            </a:r>
+            <a:r>
+              <a:rPr lang="en-US" sz="2200" b="1" dirty="0" err="1">
+                <a:latin typeface="Consolas" panose="020B0609020204030204" pitchFamily="49" charset="0"/>
+                <a:cs typeface="Consolas" panose="020B0609020204030204" pitchFamily="49" charset="0"/>
+              </a:rPr>
+              <a:t>response.clone</a:t>
+            </a:r>
+            <a:r>
+              <a:rPr lang="en-US" sz="2200" b="1" dirty="0">
+                <a:latin typeface="Consolas" panose="020B0609020204030204" pitchFamily="49" charset="0"/>
+                <a:cs typeface="Consolas" panose="020B0609020204030204" pitchFamily="49" charset="0"/>
+              </a:rPr>
+              <a:t>();</a:t>
+            </a:r>
+          </a:p>
+          <a:p>
+            <a:pPr marL="0" indent="0">
+              <a:buNone/>
+            </a:pPr>
+            <a:r>
+              <a:rPr lang="en-US" sz="2200" b="1" dirty="0">
+                <a:latin typeface="Consolas" panose="020B0609020204030204" pitchFamily="49" charset="0"/>
+                <a:cs typeface="Consolas" panose="020B0609020204030204" pitchFamily="49" charset="0"/>
+              </a:rPr>
+              <a:t>  }).catch(function() {</a:t>
+            </a:r>
+          </a:p>
+          <a:p>
+            <a:pPr marL="0" indent="0">
+              <a:buNone/>
+            </a:pPr>
+            <a:r>
+              <a:rPr lang="en-US" sz="2200" b="1" dirty="0">
+                <a:latin typeface="Consolas" panose="020B0609020204030204" pitchFamily="49" charset="0"/>
+                <a:cs typeface="Consolas" panose="020B0609020204030204" pitchFamily="49" charset="0"/>
+              </a:rPr>
+              <a:t>    return </a:t>
+            </a:r>
+            <a:r>
+              <a:rPr lang="en-US" sz="2200" b="1" dirty="0" err="1">
+                <a:latin typeface="Consolas" panose="020B0609020204030204" pitchFamily="49" charset="0"/>
+                <a:cs typeface="Consolas" panose="020B0609020204030204" pitchFamily="49" charset="0"/>
+              </a:rPr>
+              <a:t>caches.match</a:t>
+            </a:r>
+            <a:r>
+              <a:rPr lang="en-US" sz="2200" b="1" dirty="0" smtClean="0">
+                <a:latin typeface="Consolas" panose="020B0609020204030204" pitchFamily="49" charset="0"/>
+                <a:cs typeface="Consolas" panose="020B0609020204030204" pitchFamily="49" charset="0"/>
+              </a:rPr>
+              <a:t>(‘offline.jpg');</a:t>
+            </a:r>
+          </a:p>
+          <a:p>
+            <a:pPr marL="0" indent="0">
+              <a:buNone/>
+            </a:pPr>
+            <a:r>
+              <a:rPr lang="en-US" sz="2200" b="1" dirty="0" smtClean="0">
+                <a:latin typeface="Consolas" panose="020B0609020204030204" pitchFamily="49" charset="0"/>
+                <a:cs typeface="Consolas" panose="020B0609020204030204" pitchFamily="49" charset="0"/>
+              </a:rPr>
+              <a:t>  }));</a:t>
+            </a:r>
+          </a:p>
+          <a:p>
+            <a:pPr marL="0" indent="0">
+              <a:buNone/>
+            </a:pPr>
+            <a:r>
+              <a:rPr lang="en-US" sz="2200" b="1" dirty="0" smtClean="0">
+                <a:latin typeface="Consolas" panose="020B0609020204030204" pitchFamily="49" charset="0"/>
+                <a:cs typeface="Consolas" panose="020B0609020204030204" pitchFamily="49" charset="0"/>
+              </a:rPr>
+              <a:t>});</a:t>
+            </a:r>
+            <a:endParaRPr lang="ru-RU" sz="2200" dirty="0">
+              <a:latin typeface="Consolas" panose="020B0609020204030204" pitchFamily="49" charset="0"/>
+              <a:cs typeface="Consolas" panose="020B0609020204030204" pitchFamily="49" charset="0"/>
+            </a:endParaRPr>
+          </a:p>
+        </p:txBody>
+      </p:sp>
+    </p:spTree>
+    <p:extLst>
+      <p:ext uri="{BB962C8B-B14F-4D97-AF65-F5344CB8AC3E}">
+        <p14:creationId xmlns:p14="http://schemas.microsoft.com/office/powerpoint/2010/main" val="3539239990"/>
+      </p:ext>
+    </p:extLst>
+  </p:cSld>
+  <p:clrMapOvr>
+    <a:masterClrMapping/>
+  </p:clrMapOvr>
+  <p:timing>
+    <p:tnLst>
+      <p:par>
+        <p:cTn id="1" dur="indefinite" restart="never" nodeType="tmRoot"/>
+      </p:par>
+    </p:tnLst>
+  </p:timing>
+</p:sld>
+</file>
+
 <file path=ppt/slides/slide2.xml><?xml version="1.0" encoding="utf-8"?>
 <p:sld xmlns:a="http://schemas.openxmlformats.org/drawingml/2006/main" xmlns:r="http://schemas.openxmlformats.org/officeDocument/2006/relationships" xmlns:p="http://schemas.openxmlformats.org/presentationml/2006/main">
   <p:cSld>
@@ -6291,6 +7506,94 @@
           <a:bodyPr/>
           <a:lstStyle/>
           <a:p>
+            <a:endParaRPr lang="ru-RU"/>
+          </a:p>
+        </p:txBody>
+      </p:sp>
+      <p:pic>
+        <p:nvPicPr>
+          <p:cNvPr id="4" name="Объект 3"/>
+          <p:cNvPicPr>
+            <a:picLocks noGrp="1" noChangeAspect="1"/>
+          </p:cNvPicPr>
+          <p:nvPr>
+            <p:ph idx="1"/>
+          </p:nvPr>
+        </p:nvPicPr>
+        <p:blipFill>
+          <a:blip r:embed="rId2">
+            <a:extLst>
+              <a:ext uri="{28A0092B-C50C-407E-A947-70E740481C1C}">
+                <a14:useLocalDpi xmlns:a14="http://schemas.microsoft.com/office/drawing/2010/main" val="0"/>
+              </a:ext>
+            </a:extLst>
+          </a:blip>
+          <a:stretch>
+            <a:fillRect/>
+          </a:stretch>
+        </p:blipFill>
+        <p:spPr>
+          <a:xfrm>
+            <a:off x="3538532" y="1825625"/>
+            <a:ext cx="5397510" cy="4351338"/>
+          </a:xfrm>
+          <a:prstGeom prst="rect">
+            <a:avLst/>
+          </a:prstGeom>
+        </p:spPr>
+      </p:pic>
+    </p:spTree>
+    <p:extLst>
+      <p:ext uri="{BB962C8B-B14F-4D97-AF65-F5344CB8AC3E}">
+        <p14:creationId xmlns:p14="http://schemas.microsoft.com/office/powerpoint/2010/main" val="837502920"/>
+      </p:ext>
+    </p:extLst>
+  </p:cSld>
+  <p:clrMapOvr>
+    <a:masterClrMapping/>
+  </p:clrMapOvr>
+  <p:timing>
+    <p:tnLst>
+      <p:par>
+        <p:cTn id="1" dur="indefinite" restart="never" nodeType="tmRoot"/>
+      </p:par>
+    </p:tnLst>
+  </p:timing>
+</p:sld>
+</file>
+
+<file path=ppt/slides/slide4.xml><?xml version="1.0" encoding="utf-8"?>
+<p:sld xmlns:a="http://schemas.openxmlformats.org/drawingml/2006/main" xmlns:r="http://schemas.openxmlformats.org/officeDocument/2006/relationships" xmlns:p="http://schemas.openxmlformats.org/presentationml/2006/main">
+  <p:cSld>
+    <p:spTree>
+      <p:nvGrpSpPr>
+        <p:cNvPr id="1" name=""/>
+        <p:cNvGrpSpPr/>
+        <p:nvPr/>
+      </p:nvGrpSpPr>
+      <p:grpSpPr>
+        <a:xfrm>
+          <a:off x="0" y="0"/>
+          <a:ext cx="0" cy="0"/>
+          <a:chOff x="0" y="0"/>
+          <a:chExt cx="0" cy="0"/>
+        </a:xfrm>
+      </p:grpSpPr>
+      <p:sp>
+        <p:nvSpPr>
+          <p:cNvPr id="2" name="Заголовок 1"/>
+          <p:cNvSpPr>
+            <a:spLocks noGrp="1"/>
+          </p:cNvSpPr>
+          <p:nvPr>
+            <p:ph type="title"/>
+          </p:nvPr>
+        </p:nvSpPr>
+        <p:spPr/>
+        <p:txBody>
+          <a:bodyPr/>
+          <a:lstStyle/>
+          <a:p>
             <a:r>
               <a:rPr lang="en-US" dirty="0" smtClean="0"/>
               <a:t>Dedicated </a:t>
@@ -6747,303 +8050,6 @@
 </p:sld>
 </file>
 
-<file path=ppt/slides/slide4.xml><?xml version="1.0" encoding="utf-8"?>
-<p:sld xmlns:a="http://schemas.openxmlformats.org/drawingml/2006/main" xmlns:r="http://schemas.openxmlformats.org/officeDocument/2006/relationships" xmlns:p="http://schemas.openxmlformats.org/presentationml/2006/main">
-  <p:cSld>
-    <p:spTree>
-      <p:nvGrpSpPr>
-        <p:cNvPr id="1" name=""/>
-        <p:cNvGrpSpPr/>
-        <p:nvPr/>
-      </p:nvGrpSpPr>
-      <p:grpSpPr>
-        <a:xfrm>
-          <a:off x="0" y="0"/>
-          <a:ext cx="0" cy="0"/>
-          <a:chOff x="0" y="0"/>
-          <a:chExt cx="0" cy="0"/>
-        </a:xfrm>
-      </p:grpSpPr>
-      <p:sp>
-        <p:nvSpPr>
-          <p:cNvPr id="2" name="Заголовок 1"/>
-          <p:cNvSpPr>
-            <a:spLocks noGrp="1"/>
-          </p:cNvSpPr>
-          <p:nvPr>
-            <p:ph type="title"/>
-          </p:nvPr>
-        </p:nvSpPr>
-        <p:spPr/>
-        <p:txBody>
-          <a:bodyPr/>
-          <a:lstStyle/>
-          <a:p>
-            <a:r>
-              <a:rPr lang="ru-RU" dirty="0" smtClean="0"/>
-              <a:t>Еще</a:t>
-            </a:r>
-            <a:endParaRPr lang="ru-RU" dirty="0"/>
-          </a:p>
-        </p:txBody>
-      </p:sp>
-      <p:sp>
-        <p:nvSpPr>
-          <p:cNvPr id="3" name="Объект 2"/>
-          <p:cNvSpPr>
-            <a:spLocks noGrp="1"/>
-          </p:cNvSpPr>
-          <p:nvPr>
-            <p:ph idx="1"/>
-          </p:nvPr>
-        </p:nvSpPr>
-        <p:spPr/>
-        <p:txBody>
-          <a:bodyPr/>
-          <a:lstStyle/>
-          <a:p>
-            <a:r>
-              <a:rPr lang="en-US" dirty="0" err="1" smtClean="0"/>
-              <a:t>postMessage</a:t>
-            </a:r>
-            <a:r>
-              <a:rPr lang="en-US" dirty="0" smtClean="0"/>
-              <a:t>() </a:t>
-            </a:r>
-            <a:r>
-              <a:rPr lang="ru-RU" dirty="0" smtClean="0"/>
-              <a:t>клонирует сообщение</a:t>
-            </a:r>
-          </a:p>
-          <a:p>
-            <a:r>
-              <a:rPr lang="ru-RU" dirty="0" smtClean="0"/>
-              <a:t>Можно создавать </a:t>
-            </a:r>
-            <a:r>
-              <a:rPr lang="en-US" dirty="0" err="1" smtClean="0"/>
-              <a:t>subworker</a:t>
-            </a:r>
-            <a:r>
-              <a:rPr lang="ru-RU" dirty="0" smtClean="0"/>
-              <a:t>-ы</a:t>
-            </a:r>
-          </a:p>
-          <a:p>
-            <a:r>
-              <a:rPr lang="en-US" dirty="0" err="1" smtClean="0">
-                <a:latin typeface="Courier New" panose="02070309020205020404" pitchFamily="49" charset="0"/>
-                <a:cs typeface="Courier New" panose="02070309020205020404" pitchFamily="49" charset="0"/>
-              </a:rPr>
-              <a:t>importScripts</a:t>
-            </a:r>
-            <a:r>
-              <a:rPr lang="en-US" dirty="0" smtClean="0">
-                <a:latin typeface="Courier New" panose="02070309020205020404" pitchFamily="49" charset="0"/>
-                <a:cs typeface="Courier New" panose="02070309020205020404" pitchFamily="49" charset="0"/>
-              </a:rPr>
-              <a:t>(‘script_1.js’, ‘script_2.js’, …)</a:t>
-            </a:r>
-            <a:endParaRPr lang="ru-RU" dirty="0">
-              <a:latin typeface="Courier New" panose="02070309020205020404" pitchFamily="49" charset="0"/>
-              <a:cs typeface="Courier New" panose="02070309020205020404" pitchFamily="49" charset="0"/>
-            </a:endParaRPr>
-          </a:p>
-        </p:txBody>
-      </p:sp>
-    </p:spTree>
-    <p:extLst>
-      <p:ext uri="{BB962C8B-B14F-4D97-AF65-F5344CB8AC3E}">
-        <p14:creationId xmlns:p14="http://schemas.microsoft.com/office/powerpoint/2010/main" val="4234764488"/>
-      </p:ext>
-    </p:extLst>
-  </p:cSld>
-  <p:clrMapOvr>
-    <a:masterClrMapping/>
-  </p:clrMapOvr>
-  <p:timing>
-    <p:tnLst>
-      <p:par>
-        <p:cTn id="1" dur="indefinite" restart="never" nodeType="tmRoot">
-          <p:childTnLst>
-            <p:seq concurrent="1" nextAc="seek">
-              <p:cTn id="2" dur="indefinite" nodeType="mainSeq">
-                <p:childTnLst>
-                  <p:par>
-                    <p:cTn id="3" fill="hold">
-                      <p:stCondLst>
-                        <p:cond delay="indefinite"/>
-                      </p:stCondLst>
-                      <p:childTnLst>
-                        <p:par>
-                          <p:cTn id="4" fill="hold">
-                            <p:stCondLst>
-                              <p:cond delay="0"/>
-                            </p:stCondLst>
-                            <p:childTnLst>
-                              <p:par>
-                                <p:cTn id="5" presetID="1" presetClass="entr" presetSubtype="0" fill="hold" grpId="0" nodeType="clickEffect">
-                                  <p:stCondLst>
-                                    <p:cond delay="0"/>
-                                  </p:stCondLst>
-                                  <p:childTnLst>
-                                    <p:set>
-                                      <p:cBhvr>
-                                        <p:cTn id="6" dur="1" fill="hold">
-                                          <p:stCondLst>
-                                            <p:cond delay="0"/>
-                                          </p:stCondLst>
-                                        </p:cTn>
-                                        <p:tgtEl>
-                                          <p:spTgt spid="3">
-                                            <p:txEl>
-                                              <p:pRg st="0" end="0"/>
-                                            </p:txEl>
-                                          </p:spTgt>
-                                        </p:tgtEl>
-                                        <p:attrNameLst>
-                                          <p:attrName>style.visibility</p:attrName>
-                                        </p:attrNameLst>
-                                      </p:cBhvr>
-                                      <p:to>
-                                        <p:strVal val="visible"/>
-                                      </p:to>
-                                    </p:set>
-                                  </p:childTnLst>
-                                </p:cTn>
-                              </p:par>
-                            </p:childTnLst>
-                          </p:cTn>
-                        </p:par>
-                      </p:childTnLst>
-                    </p:cTn>
-                  </p:par>
-                  <p:par>
-                    <p:cTn id="7" fill="hold">
-                      <p:stCondLst>
-                        <p:cond delay="indefinite"/>
-                      </p:stCondLst>
-                      <p:childTnLst>
-                        <p:par>
-                          <p:cTn id="8" fill="hold">
-                            <p:stCondLst>
-                              <p:cond delay="0"/>
-                            </p:stCondLst>
-                            <p:childTnLst>
-                              <p:par>
-                                <p:cTn id="9" presetID="1" presetClass="entr" presetSubtype="0" fill="hold" grpId="0" nodeType="clickEffect">
-                                  <p:stCondLst>
-                                    <p:cond delay="0"/>
-                                  </p:stCondLst>
-                                  <p:childTnLst>
-                                    <p:set>
-                                      <p:cBhvr>
-                                        <p:cTn id="10" dur="1" fill="hold">
-                                          <p:stCondLst>
-                                            <p:cond delay="0"/>
-                                          </p:stCondLst>
-                                        </p:cTn>
-                                        <p:tgtEl>
-                                          <p:spTgt spid="3">
-                                            <p:txEl>
-                                              <p:pRg st="1" end="1"/>
-                                            </p:txEl>
-                                          </p:spTgt>
-                                        </p:tgtEl>
-                                        <p:attrNameLst>
-                                          <p:attrName>style.visibility</p:attrName>
-                                        </p:attrNameLst>
-                                      </p:cBhvr>
-                                      <p:to>
-                                        <p:strVal val="visible"/>
-                                      </p:to>
-                                    </p:set>
-                                  </p:childTnLst>
-                                </p:cTn>
-                              </p:par>
-                            </p:childTnLst>
-                          </p:cTn>
-                        </p:par>
-                      </p:childTnLst>
-                    </p:cTn>
-                  </p:par>
-                  <p:par>
-                    <p:cTn id="11" fill="hold">
-                      <p:stCondLst>
-                        <p:cond delay="indefinite"/>
-                      </p:stCondLst>
-                      <p:childTnLst>
-                        <p:par>
-                          <p:cTn id="12" fill="hold">
-                            <p:stCondLst>
-                              <p:cond delay="0"/>
-                            </p:stCondLst>
-                            <p:childTnLst>
-                              <p:par>
-                                <p:cTn id="13" presetID="1" presetClass="entr" presetSubtype="0" fill="hold" grpId="0" nodeType="clickEffect">
-                                  <p:stCondLst>
-                                    <p:cond delay="0"/>
-                                  </p:stCondLst>
-                                  <p:childTnLst>
-                                    <p:set>
-                                      <p:cBhvr>
-                                        <p:cTn id="14" dur="1" fill="hold">
-                                          <p:stCondLst>
-                                            <p:cond delay="0"/>
-                                          </p:stCondLst>
-                                        </p:cTn>
-                                        <p:tgtEl>
-                                          <p:spTgt spid="3">
-                                            <p:txEl>
-                                              <p:pRg st="2" end="2"/>
-                                            </p:txEl>
-                                          </p:spTgt>
-                                        </p:tgtEl>
-                                        <p:attrNameLst>
-                                          <p:attrName>style.visibility</p:attrName>
-                                        </p:attrNameLst>
-                                      </p:cBhvr>
-                                      <p:to>
-                                        <p:strVal val="visible"/>
-                                      </p:to>
-                                    </p:set>
-                                  </p:childTnLst>
-                                </p:cTn>
-                              </p:par>
-                            </p:childTnLst>
-                          </p:cTn>
-                        </p:par>
-                      </p:childTnLst>
-                    </p:cTn>
-                  </p:par>
-                </p:childTnLst>
-              </p:cTn>
-              <p:prevCondLst>
-                <p:cond evt="onPrev" delay="0">
-                  <p:tgtEl>
-                    <p:sldTgt/>
-                  </p:tgtEl>
-                </p:cond>
-              </p:prevCondLst>
-              <p:nextCondLst>
-                <p:cond evt="onNext" delay="0">
-                  <p:tgtEl>
-                    <p:sldTgt/>
-                  </p:tgtEl>
-                </p:cond>
-              </p:nextCondLst>
-            </p:seq>
-          </p:childTnLst>
-        </p:cTn>
-      </p:par>
-    </p:tnLst>
-    <p:bldLst>
-      <p:bldP spid="3" grpId="0" build="p"/>
-    </p:bldLst>
-  </p:timing>
-</p:sld>
-</file>
-
 <file path=ppt/slides/slide5.xml><?xml version="1.0" encoding="utf-8"?>
 <p:sld xmlns:a="http://schemas.openxmlformats.org/drawingml/2006/main" xmlns:r="http://schemas.openxmlformats.org/officeDocument/2006/relationships" xmlns:p="http://schemas.openxmlformats.org/presentationml/2006/main">
   <p:cSld>
@@ -7077,8 +8083,8 @@
           <a:lstStyle/>
           <a:p>
             <a:r>
-              <a:rPr lang="en-US" dirty="0" smtClean="0"/>
-              <a:t>Shared Worker</a:t>
+              <a:rPr lang="ru-RU" dirty="0" smtClean="0"/>
+              <a:t>Еще</a:t>
             </a:r>
             <a:endParaRPr lang="ru-RU" dirty="0"/>
           </a:p>
@@ -7100,62 +8106,58 @@
           <a:lstStyle/>
           <a:p>
             <a:r>
+              <a:rPr lang="en-US" dirty="0" err="1" smtClean="0"/>
+              <a:t>postMessage</a:t>
+            </a:r>
+            <a:r>
+              <a:rPr lang="en-US" dirty="0" smtClean="0"/>
+              <a:t>() </a:t>
+            </a:r>
+            <a:r>
               <a:rPr lang="ru-RU" dirty="0" smtClean="0"/>
-              <a:t>Доступен для других окон, фреймов, </a:t>
-            </a:r>
-            <a:r>
-              <a:rPr lang="ru-RU" dirty="0" err="1" smtClean="0"/>
-              <a:t>воркеров</a:t>
-            </a:r>
-            <a:endParaRPr lang="en-US" dirty="0" smtClean="0"/>
+              <a:t>клонирует сообщение</a:t>
+            </a:r>
           </a:p>
           <a:p>
             <a:r>
               <a:rPr lang="ru-RU" dirty="0" smtClean="0"/>
-              <a:t>Активен</a:t>
-            </a:r>
-            <a:r>
-              <a:rPr lang="en-US" dirty="0" smtClean="0"/>
-              <a:t> </a:t>
+              <a:t>Можно создавать </a:t>
+            </a:r>
+            <a:r>
+              <a:rPr lang="en-US" dirty="0" err="1" smtClean="0"/>
+              <a:t>subworker</a:t>
             </a:r>
             <a:r>
               <a:rPr lang="ru-RU" dirty="0" smtClean="0"/>
-              <a:t>пока есть хотя бы одно соединение</a:t>
-            </a:r>
-            <a:endParaRPr lang="en-US" dirty="0" smtClean="0"/>
-          </a:p>
-          <a:p>
-            <a:r>
-              <a:rPr lang="ru-RU" dirty="0" smtClean="0"/>
-              <a:t>Можно </a:t>
-            </a:r>
-            <a:r>
-              <a:rPr lang="ru-RU" dirty="0" err="1" smtClean="0"/>
-              <a:t>дебажить</a:t>
-            </a:r>
-            <a:r>
-              <a:rPr lang="ru-RU" dirty="0" smtClean="0"/>
-              <a:t> в </a:t>
-            </a:r>
-            <a:r>
-              <a:rPr lang="en-US" dirty="0"/>
-              <a:t>Chrome (chrome://inspect/#</a:t>
-            </a:r>
-            <a:r>
-              <a:rPr lang="en-US" dirty="0" smtClean="0"/>
-              <a:t>workers)</a:t>
-            </a:r>
-            <a:endParaRPr lang="ru-RU" dirty="0" smtClean="0"/>
-          </a:p>
-          <a:p>
-            <a:endParaRPr lang="ru-RU" dirty="0"/>
+              <a:t>-ы</a:t>
+            </a:r>
+          </a:p>
+          <a:p>
+            <a:r>
+              <a:rPr lang="en-US" dirty="0" err="1" smtClean="0">
+                <a:latin typeface="Courier New" panose="02070309020205020404" pitchFamily="49" charset="0"/>
+                <a:cs typeface="Courier New" panose="02070309020205020404" pitchFamily="49" charset="0"/>
+              </a:rPr>
+              <a:t>importScripts</a:t>
+            </a:r>
+            <a:r>
+              <a:rPr lang="en-US" dirty="0" smtClean="0">
+                <a:latin typeface="Courier New" panose="02070309020205020404" pitchFamily="49" charset="0"/>
+                <a:cs typeface="Courier New" panose="02070309020205020404" pitchFamily="49" charset="0"/>
+              </a:rPr>
+              <a:t>(‘script_1.js’, ‘script_2.js’, …)</a:t>
+            </a:r>
+            <a:endParaRPr lang="ru-RU" dirty="0">
+              <a:latin typeface="Courier New" panose="02070309020205020404" pitchFamily="49" charset="0"/>
+              <a:cs typeface="Courier New" panose="02070309020205020404" pitchFamily="49" charset="0"/>
+            </a:endParaRPr>
           </a:p>
         </p:txBody>
       </p:sp>
     </p:spTree>
     <p:extLst>
       <p:ext uri="{BB962C8B-B14F-4D97-AF65-F5344CB8AC3E}">
-        <p14:creationId xmlns:p14="http://schemas.microsoft.com/office/powerpoint/2010/main" val="561878510"/>
+        <p14:creationId xmlns:p14="http://schemas.microsoft.com/office/powerpoint/2010/main" val="4234764488"/>
       </p:ext>
     </p:extLst>
   </p:cSld>
@@ -7402,211 +8404,82 @@
           <a:p>
             <a:r>
               <a:rPr lang="ru-RU" dirty="0" smtClean="0"/>
-              <a:t>Клиент:</a:t>
-            </a:r>
-            <a:br>
+              <a:t>Доступен для других окон, фреймов, </a:t>
+            </a:r>
+            <a:r>
+              <a:rPr lang="ru-RU" dirty="0" err="1" smtClean="0"/>
+              <a:t>воркеров</a:t>
+            </a:r>
+            <a:endParaRPr lang="en-US" dirty="0" smtClean="0"/>
+          </a:p>
+          <a:p>
+            <a:r>
               <a:rPr lang="ru-RU" dirty="0" smtClean="0"/>
-            </a:br>
+              <a:t>Активен</a:t>
+            </a:r>
+            <a:r>
+              <a:rPr lang="en-US" dirty="0" smtClean="0"/>
+              <a:t> </a:t>
+            </a:r>
             <a:r>
               <a:rPr lang="ru-RU" dirty="0" smtClean="0"/>
-              <a:t>	</a:t>
-            </a:r>
-            <a:r>
-              <a:rPr lang="en-US" dirty="0" smtClean="0">
-                <a:latin typeface="Courier New" panose="02070309020205020404" pitchFamily="49" charset="0"/>
-                <a:cs typeface="Courier New" panose="02070309020205020404" pitchFamily="49" charset="0"/>
-              </a:rPr>
-              <a:t>worker </a:t>
-            </a:r>
-            <a:r>
-              <a:rPr lang="en-US" dirty="0">
-                <a:latin typeface="Courier New" panose="02070309020205020404" pitchFamily="49" charset="0"/>
-                <a:cs typeface="Courier New" panose="02070309020205020404" pitchFamily="49" charset="0"/>
-              </a:rPr>
-              <a:t>= </a:t>
-            </a:r>
-            <a:r>
-              <a:rPr lang="en-US" b="1" dirty="0">
-                <a:latin typeface="Courier New" panose="02070309020205020404" pitchFamily="49" charset="0"/>
-                <a:cs typeface="Courier New" panose="02070309020205020404" pitchFamily="49" charset="0"/>
-              </a:rPr>
-              <a:t>new</a:t>
-            </a:r>
-            <a:r>
-              <a:rPr lang="en-US" dirty="0">
-                <a:latin typeface="Courier New" panose="02070309020205020404" pitchFamily="49" charset="0"/>
-                <a:cs typeface="Courier New" panose="02070309020205020404" pitchFamily="49" charset="0"/>
-              </a:rPr>
+              <a:t>пока есть хотя бы одно соединение</a:t>
+            </a:r>
+            <a:endParaRPr lang="en-US" dirty="0" smtClean="0"/>
+          </a:p>
+          <a:p>
+            <a:r>
+              <a:rPr lang="ru-RU" dirty="0" smtClean="0"/>
+              <a:t>Закрывается сам (</a:t>
+            </a:r>
+            <a:r>
+              <a:rPr lang="en-US" dirty="0" smtClean="0"/>
               <a:t> </a:t>
             </a:r>
             <a:r>
-              <a:rPr lang="en-US" dirty="0" err="1" smtClean="0">
-                <a:latin typeface="Courier New" panose="02070309020205020404" pitchFamily="49" charset="0"/>
-                <a:cs typeface="Courier New" panose="02070309020205020404" pitchFamily="49" charset="0"/>
-              </a:rPr>
-              <a:t>SharedWorker</a:t>
-            </a:r>
-            <a:r>
-              <a:rPr lang="en-US" dirty="0" smtClean="0">
-                <a:latin typeface="Courier New" panose="02070309020205020404" pitchFamily="49" charset="0"/>
-                <a:cs typeface="Courier New" panose="02070309020205020404" pitchFamily="49" charset="0"/>
-              </a:rPr>
-              <a:t>(‘</a:t>
-            </a:r>
-            <a:r>
-              <a:rPr lang="en-US" dirty="0">
-                <a:latin typeface="Courier New" panose="02070309020205020404" pitchFamily="49" charset="0"/>
-                <a:cs typeface="Courier New" panose="02070309020205020404" pitchFamily="49" charset="0"/>
-              </a:rPr>
-              <a:t>worker.js’)</a:t>
-            </a:r>
-            <a:br>
-              <a:rPr lang="en-US" dirty="0">
-                <a:latin typeface="Courier New" panose="02070309020205020404" pitchFamily="49" charset="0"/>
-                <a:cs typeface="Courier New" panose="02070309020205020404" pitchFamily="49" charset="0"/>
-              </a:rPr>
-            </a:br>
-            <a:r>
-              <a:rPr lang="en-US" dirty="0">
-                <a:latin typeface="Courier New" panose="02070309020205020404" pitchFamily="49" charset="0"/>
-                <a:cs typeface="Courier New" panose="02070309020205020404" pitchFamily="49" charset="0"/>
-              </a:rPr>
-              <a:t>	</a:t>
-            </a:r>
-            <a:r>
-              <a:rPr lang="en-US" dirty="0" err="1" smtClean="0">
-                <a:latin typeface="Courier New" panose="02070309020205020404" pitchFamily="49" charset="0"/>
-                <a:cs typeface="Courier New" panose="02070309020205020404" pitchFamily="49" charset="0"/>
-              </a:rPr>
-              <a:t>worker.port.onmessage</a:t>
-            </a:r>
-            <a:r>
-              <a:rPr lang="en-US" dirty="0" smtClean="0">
-                <a:latin typeface="Courier New" panose="02070309020205020404" pitchFamily="49" charset="0"/>
-                <a:cs typeface="Courier New" panose="02070309020205020404" pitchFamily="49" charset="0"/>
-              </a:rPr>
-              <a:t> </a:t>
-            </a:r>
-            <a:r>
-              <a:rPr lang="en-US" dirty="0">
-                <a:latin typeface="Courier New" panose="02070309020205020404" pitchFamily="49" charset="0"/>
-                <a:cs typeface="Courier New" panose="02070309020205020404" pitchFamily="49" charset="0"/>
-              </a:rPr>
-              <a:t>= </a:t>
-            </a:r>
-            <a:r>
-              <a:rPr lang="en-US" b="1" dirty="0">
-                <a:latin typeface="Courier New" panose="02070309020205020404" pitchFamily="49" charset="0"/>
-                <a:cs typeface="Courier New" panose="02070309020205020404" pitchFamily="49" charset="0"/>
-              </a:rPr>
-              <a:t>function</a:t>
-            </a:r>
-            <a:r>
-              <a:rPr lang="en-US" dirty="0">
-                <a:latin typeface="Courier New" panose="02070309020205020404" pitchFamily="49" charset="0"/>
-                <a:cs typeface="Courier New" panose="02070309020205020404" pitchFamily="49" charset="0"/>
-              </a:rPr>
-              <a:t>(event</a:t>
-            </a:r>
-            <a:r>
-              <a:rPr lang="en-US" dirty="0" smtClean="0">
-                <a:latin typeface="Courier New" panose="02070309020205020404" pitchFamily="49" charset="0"/>
-                <a:cs typeface="Courier New" panose="02070309020205020404" pitchFamily="49" charset="0"/>
-              </a:rPr>
-              <a:t>){…}</a:t>
-            </a:r>
-            <a:br>
-              <a:rPr lang="en-US" dirty="0" smtClean="0">
-                <a:latin typeface="Courier New" panose="02070309020205020404" pitchFamily="49" charset="0"/>
-                <a:cs typeface="Courier New" panose="02070309020205020404" pitchFamily="49" charset="0"/>
-              </a:rPr>
-            </a:br>
-            <a:r>
-              <a:rPr lang="en-US" dirty="0" smtClean="0">
-                <a:latin typeface="Courier New" panose="02070309020205020404" pitchFamily="49" charset="0"/>
-                <a:cs typeface="Courier New" panose="02070309020205020404" pitchFamily="49" charset="0"/>
-              </a:rPr>
-              <a:t>	</a:t>
-            </a:r>
-            <a:r>
-              <a:rPr lang="en-US" dirty="0" err="1" smtClean="0">
-                <a:latin typeface="Courier New" panose="02070309020205020404" pitchFamily="49" charset="0"/>
-                <a:cs typeface="Courier New" panose="02070309020205020404" pitchFamily="49" charset="0"/>
-              </a:rPr>
-              <a:t>worker.port.start</a:t>
-            </a:r>
-            <a:r>
-              <a:rPr lang="en-US" dirty="0" smtClean="0">
-                <a:latin typeface="Courier New" panose="02070309020205020404" pitchFamily="49" charset="0"/>
-                <a:cs typeface="Courier New" panose="02070309020205020404" pitchFamily="49" charset="0"/>
-              </a:rPr>
-              <a:t>() // </a:t>
-            </a:r>
-            <a:r>
-              <a:rPr lang="ru-RU" dirty="0" smtClean="0">
-                <a:latin typeface="Courier New" panose="02070309020205020404" pitchFamily="49" charset="0"/>
-                <a:cs typeface="Courier New" panose="02070309020205020404" pitchFamily="49" charset="0"/>
-              </a:rPr>
-              <a:t>Не обязательно</a:t>
-            </a:r>
-            <a:br>
-              <a:rPr lang="ru-RU" dirty="0" smtClean="0">
-                <a:latin typeface="Courier New" panose="02070309020205020404" pitchFamily="49" charset="0"/>
-                <a:cs typeface="Courier New" panose="02070309020205020404" pitchFamily="49" charset="0"/>
-              </a:rPr>
-            </a:br>
-            <a:r>
-              <a:rPr lang="ru-RU" dirty="0" smtClean="0">
-                <a:latin typeface="Courier New" panose="02070309020205020404" pitchFamily="49" charset="0"/>
-                <a:cs typeface="Courier New" panose="02070309020205020404" pitchFamily="49" charset="0"/>
-              </a:rPr>
-              <a:t>	</a:t>
-            </a:r>
-            <a:r>
-              <a:rPr lang="en-US" dirty="0" err="1" smtClean="0">
-                <a:latin typeface="Courier New" panose="02070309020205020404" pitchFamily="49" charset="0"/>
-                <a:cs typeface="Courier New" panose="02070309020205020404" pitchFamily="49" charset="0"/>
-              </a:rPr>
-              <a:t>worker.port.postMessage</a:t>
-            </a:r>
-            <a:r>
-              <a:rPr lang="en-US" dirty="0">
-                <a:latin typeface="Courier New" panose="02070309020205020404" pitchFamily="49" charset="0"/>
-                <a:cs typeface="Courier New" panose="02070309020205020404" pitchFamily="49" charset="0"/>
-              </a:rPr>
-              <a:t>(…)</a:t>
-            </a:r>
-            <a:br>
-              <a:rPr lang="en-US" dirty="0">
-                <a:latin typeface="Courier New" panose="02070309020205020404" pitchFamily="49" charset="0"/>
-                <a:cs typeface="Courier New" panose="02070309020205020404" pitchFamily="49" charset="0"/>
-              </a:rPr>
-            </a:br>
-            <a:r>
-              <a:rPr lang="en-US" dirty="0">
-                <a:latin typeface="Courier New" panose="02070309020205020404" pitchFamily="49" charset="0"/>
-                <a:cs typeface="Courier New" panose="02070309020205020404" pitchFamily="49" charset="0"/>
-              </a:rPr>
-              <a:t>	</a:t>
-            </a:r>
-            <a:r>
-              <a:rPr lang="en-US" dirty="0" err="1">
-                <a:latin typeface="Courier New" panose="02070309020205020404" pitchFamily="49" charset="0"/>
-                <a:cs typeface="Courier New" panose="02070309020205020404" pitchFamily="49" charset="0"/>
-              </a:rPr>
-              <a:t>worker.terminate</a:t>
-            </a:r>
-            <a:r>
-              <a:rPr lang="en-US" dirty="0">
-                <a:latin typeface="Courier New" panose="02070309020205020404" pitchFamily="49" charset="0"/>
-                <a:cs typeface="Courier New" panose="02070309020205020404" pitchFamily="49" charset="0"/>
-              </a:rPr>
-              <a:t>()</a:t>
-            </a:r>
-            <a:endParaRPr lang="ru-RU" dirty="0">
-              <a:latin typeface="Courier New" panose="02070309020205020404" pitchFamily="49" charset="0"/>
-              <a:cs typeface="Courier New" panose="02070309020205020404" pitchFamily="49" charset="0"/>
-            </a:endParaRPr>
+              <a:rPr lang="ru-RU" dirty="0" smtClean="0"/>
+              <a:t>нет метода </a:t>
+            </a:r>
+            <a:r>
+              <a:rPr lang="en-US" dirty="0" smtClean="0"/>
+              <a:t>terminate() </a:t>
+            </a:r>
+            <a:r>
+              <a:rPr lang="ru-RU" dirty="0" smtClean="0"/>
+              <a:t>)</a:t>
+            </a:r>
+            <a:endParaRPr lang="en-US" dirty="0" smtClean="0"/>
+          </a:p>
+          <a:p>
+            <a:r>
+              <a:rPr lang="ru-RU" dirty="0" smtClean="0"/>
+              <a:t>Можно </a:t>
+            </a:r>
+            <a:r>
+              <a:rPr lang="ru-RU" dirty="0" err="1" smtClean="0"/>
+              <a:t>дебажить</a:t>
+            </a:r>
+            <a:r>
+              <a:rPr lang="ru-RU" dirty="0" smtClean="0"/>
+              <a:t> в </a:t>
+            </a:r>
+            <a:r>
+              <a:rPr lang="en-US" dirty="0"/>
+              <a:t>Chrome </a:t>
+            </a:r>
+            <a:r>
+              <a:rPr lang="en-US" dirty="0" smtClean="0"/>
+              <a:t>( chrome</a:t>
+            </a:r>
+            <a:r>
+              <a:rPr lang="en-US" dirty="0"/>
+              <a:t>://inspect/#</a:t>
+            </a:r>
+            <a:r>
+              <a:rPr lang="en-US" dirty="0" smtClean="0"/>
+              <a:t>workers )</a:t>
+            </a:r>
+            <a:endParaRPr lang="ru-RU" dirty="0" smtClean="0"/>
           </a:p>
           <a:p>
             <a:endParaRPr lang="ru-RU" dirty="0"/>
@@ -7616,7 +8489,7 @@
     </p:spTree>
     <p:extLst>
       <p:ext uri="{BB962C8B-B14F-4D97-AF65-F5344CB8AC3E}">
-        <p14:creationId xmlns:p14="http://schemas.microsoft.com/office/powerpoint/2010/main" val="2556808570"/>
+        <p14:creationId xmlns:p14="http://schemas.microsoft.com/office/powerpoint/2010/main" val="561878510"/>
       </p:ext>
     </p:extLst>
   </p:cSld>
@@ -7626,9 +8499,231 @@
   <p:timing>
     <p:tnLst>
       <p:par>
-        <p:cTn id="1" dur="indefinite" restart="never" nodeType="tmRoot"/>
+        <p:cTn id="1" dur="indefinite" restart="never" nodeType="tmRoot">
+          <p:childTnLst>
+            <p:seq concurrent="1" nextAc="seek">
+              <p:cTn id="2" dur="indefinite" nodeType="mainSeq">
+                <p:childTnLst>
+                  <p:par>
+                    <p:cTn id="3" fill="hold">
+                      <p:stCondLst>
+                        <p:cond delay="indefinite"/>
+                      </p:stCondLst>
+                      <p:childTnLst>
+                        <p:par>
+                          <p:cTn id="4" fill="hold">
+                            <p:stCondLst>
+                              <p:cond delay="0"/>
+                            </p:stCondLst>
+                            <p:childTnLst>
+                              <p:par>
+                                <p:cTn id="5" presetID="1" presetClass="entr" presetSubtype="0" fill="hold" grpId="0" nodeType="clickEffect">
+                                  <p:stCondLst>
+                                    <p:cond delay="0"/>
+                                  </p:stCondLst>
+                                  <p:childTnLst>
+                                    <p:set>
+                                      <p:cBhvr>
+                                        <p:cTn id="6" dur="1" fill="hold">
+                                          <p:stCondLst>
+                                            <p:cond delay="0"/>
+                                          </p:stCondLst>
+                                        </p:cTn>
+                                        <p:tgtEl>
+                                          <p:spTgt spid="3">
+                                            <p:txEl>
+                                              <p:pRg st="0" end="0"/>
+                                            </p:txEl>
+                                          </p:spTgt>
+                                        </p:tgtEl>
+                                        <p:attrNameLst>
+                                          <p:attrName>style.visibility</p:attrName>
+                                        </p:attrNameLst>
+                                      </p:cBhvr>
+                                      <p:to>
+                                        <p:strVal val="visible"/>
+                                      </p:to>
+                                    </p:set>
+                                  </p:childTnLst>
+                                </p:cTn>
+                              </p:par>
+                            </p:childTnLst>
+                          </p:cTn>
+                        </p:par>
+                      </p:childTnLst>
+                    </p:cTn>
+                  </p:par>
+                  <p:par>
+                    <p:cTn id="7" fill="hold">
+                      <p:stCondLst>
+                        <p:cond delay="indefinite"/>
+                      </p:stCondLst>
+                      <p:childTnLst>
+                        <p:par>
+                          <p:cTn id="8" fill="hold">
+                            <p:stCondLst>
+                              <p:cond delay="0"/>
+                            </p:stCondLst>
+                            <p:childTnLst>
+                              <p:par>
+                                <p:cTn id="9" presetID="1" presetClass="entr" presetSubtype="0" fill="hold" grpId="0" nodeType="clickEffect">
+                                  <p:stCondLst>
+                                    <p:cond delay="0"/>
+                                  </p:stCondLst>
+                                  <p:childTnLst>
+                                    <p:set>
+                                      <p:cBhvr>
+                                        <p:cTn id="10" dur="1" fill="hold">
+                                          <p:stCondLst>
+                                            <p:cond delay="0"/>
+                                          </p:stCondLst>
+                                        </p:cTn>
+                                        <p:tgtEl>
+                                          <p:spTgt spid="3">
+                                            <p:txEl>
+                                              <p:pRg st="1" end="1"/>
+                                            </p:txEl>
+                                          </p:spTgt>
+                                        </p:tgtEl>
+                                        <p:attrNameLst>
+                                          <p:attrName>style.visibility</p:attrName>
+                                        </p:attrNameLst>
+                                      </p:cBhvr>
+                                      <p:to>
+                                        <p:strVal val="visible"/>
+                                      </p:to>
+                                    </p:set>
+                                  </p:childTnLst>
+                                </p:cTn>
+                              </p:par>
+                            </p:childTnLst>
+                          </p:cTn>
+                        </p:par>
+                      </p:childTnLst>
+                    </p:cTn>
+                  </p:par>
+                  <p:par>
+                    <p:cTn id="11" fill="hold">
+                      <p:stCondLst>
+                        <p:cond delay="indefinite"/>
+                      </p:stCondLst>
+                      <p:childTnLst>
+                        <p:par>
+                          <p:cTn id="12" fill="hold">
+                            <p:stCondLst>
+                              <p:cond delay="0"/>
+                            </p:stCondLst>
+                            <p:childTnLst>
+                              <p:par>
+                                <p:cTn id="13" presetID="1" presetClass="entr" presetSubtype="0" fill="hold" grpId="0" nodeType="clickEffect">
+                                  <p:stCondLst>
+                                    <p:cond delay="0"/>
+                                  </p:stCondLst>
+                                  <p:childTnLst>
+                                    <p:set>
+                                      <p:cBhvr>
+                                        <p:cTn id="14" dur="1" fill="hold">
+                                          <p:stCondLst>
+                                            <p:cond delay="0"/>
+                                          </p:stCondLst>
+                                        </p:cTn>
+                                        <p:tgtEl>
+                                          <p:spTgt spid="3">
+                                            <p:txEl>
+                                              <p:pRg st="2" end="2"/>
+                                            </p:txEl>
+                                          </p:spTgt>
+                                        </p:tgtEl>
+                                        <p:attrNameLst>
+                                          <p:attrName>style.visibility</p:attrName>
+                                        </p:attrNameLst>
+                                      </p:cBhvr>
+                                      <p:to>
+                                        <p:strVal val="visible"/>
+                                      </p:to>
+                                    </p:set>
+                                  </p:childTnLst>
+                                </p:cTn>
+                              </p:par>
+                            </p:childTnLst>
+                          </p:cTn>
+                        </p:par>
+                      </p:childTnLst>
+                    </p:cTn>
+                  </p:par>
+                  <p:par>
+                    <p:cTn id="15" fill="hold">
+                      <p:stCondLst>
+                        <p:cond delay="indefinite"/>
+                      </p:stCondLst>
+                      <p:childTnLst>
+                        <p:par>
+                          <p:cTn id="16" fill="hold">
+                            <p:stCondLst>
+                              <p:cond delay="0"/>
+                            </p:stCondLst>
+                            <p:childTnLst>
+                              <p:par>
+                                <p:cTn id="17" presetID="1" presetClass="entr" presetSubtype="0" fill="hold" grpId="0" nodeType="clickEffect">
+                                  <p:stCondLst>
+                                    <p:cond delay="0"/>
+                                  </p:stCondLst>
+                                  <p:childTnLst>
+                                    <p:set>
+                                      <p:cBhvr>
+                                        <p:cTn id="18" dur="1" fill="hold">
+                                          <p:stCondLst>
+                                            <p:cond delay="0"/>
+                                          </p:stCondLst>
+                                        </p:cTn>
+                                        <p:tgtEl>
+                                          <p:spTgt spid="3">
+                                            <p:txEl>
+                                              <p:pRg st="3" end="3"/>
+                                            </p:txEl>
+                                          </p:spTgt>
+                                        </p:tgtEl>
+                                        <p:attrNameLst>
+                                          <p:attrName>style.visibility</p:attrName>
+                                        </p:attrNameLst>
+                                      </p:cBhvr>
+                                      <p:to>
+                                        <p:strVal val="visible"/>
+                                      </p:to>
+                                    </p:set>
+                                  </p:childTnLst>
+                                </p:cTn>
+                              </p:par>
+                            </p:childTnLst>
+                          </p:cTn>
+                        </p:par>
+                      </p:childTnLst>
+                    </p:cTn>
+                  </p:par>
+                </p:childTnLst>
+              </p:cTn>
+              <p:prevCondLst>
+                <p:cond evt="onPrev" delay="0">
+                  <p:tgtEl>
+                    <p:sldTgt/>
+                  </p:tgtEl>
+                </p:cond>
+              </p:prevCondLst>
+              <p:nextCondLst>
+                <p:cond evt="onNext" delay="0">
+                  <p:tgtEl>
+                    <p:sldTgt/>
+                  </p:tgtEl>
+                </p:cond>
+              </p:nextCondLst>
+            </p:seq>
+          </p:childTnLst>
+        </p:cTn>
       </p:par>
     </p:tnLst>
+    <p:bldLst>
+      <p:bldP spid="3" grpId="0" build="p"/>
+    </p:bldLst>
   </p:timing>
 </p:sld>
 </file>
@@ -7685,6 +8780,294 @@
         </p:nvSpPr>
         <p:spPr/>
         <p:txBody>
+          <a:bodyPr/>
+          <a:lstStyle/>
+          <a:p>
+            <a:r>
+              <a:rPr lang="ru-RU" dirty="0" smtClean="0"/>
+              <a:t>Клиент:</a:t>
+            </a:r>
+            <a:br>
+              <a:rPr lang="ru-RU" dirty="0" smtClean="0"/>
+            </a:br>
+            <a:r>
+              <a:rPr lang="ru-RU" dirty="0" smtClean="0"/>
+              <a:t>	</a:t>
+            </a:r>
+            <a:r>
+              <a:rPr lang="en-US" dirty="0" smtClean="0">
+                <a:latin typeface="Courier New" panose="02070309020205020404" pitchFamily="49" charset="0"/>
+                <a:cs typeface="Courier New" panose="02070309020205020404" pitchFamily="49" charset="0"/>
+              </a:rPr>
+              <a:t>worker </a:t>
+            </a:r>
+            <a:r>
+              <a:rPr lang="en-US" dirty="0">
+                <a:latin typeface="Courier New" panose="02070309020205020404" pitchFamily="49" charset="0"/>
+                <a:cs typeface="Courier New" panose="02070309020205020404" pitchFamily="49" charset="0"/>
+              </a:rPr>
+              <a:t>= </a:t>
+            </a:r>
+            <a:r>
+              <a:rPr lang="en-US" b="1" dirty="0">
+                <a:latin typeface="Courier New" panose="02070309020205020404" pitchFamily="49" charset="0"/>
+                <a:cs typeface="Courier New" panose="02070309020205020404" pitchFamily="49" charset="0"/>
+              </a:rPr>
+              <a:t>new</a:t>
+            </a:r>
+            <a:r>
+              <a:rPr lang="en-US" dirty="0">
+                <a:latin typeface="Courier New" panose="02070309020205020404" pitchFamily="49" charset="0"/>
+                <a:cs typeface="Courier New" panose="02070309020205020404" pitchFamily="49" charset="0"/>
+              </a:rPr>
+              <a:t> </a:t>
+            </a:r>
+            <a:r>
+              <a:rPr lang="en-US" dirty="0" err="1" smtClean="0">
+                <a:latin typeface="Courier New" panose="02070309020205020404" pitchFamily="49" charset="0"/>
+                <a:cs typeface="Courier New" panose="02070309020205020404" pitchFamily="49" charset="0"/>
+              </a:rPr>
+              <a:t>SharedWorker</a:t>
+            </a:r>
+            <a:r>
+              <a:rPr lang="en-US" dirty="0" smtClean="0">
+                <a:latin typeface="Courier New" panose="02070309020205020404" pitchFamily="49" charset="0"/>
+                <a:cs typeface="Courier New" panose="02070309020205020404" pitchFamily="49" charset="0"/>
+              </a:rPr>
+              <a:t>(‘</a:t>
+            </a:r>
+            <a:r>
+              <a:rPr lang="en-US" dirty="0">
+                <a:latin typeface="Courier New" panose="02070309020205020404" pitchFamily="49" charset="0"/>
+                <a:cs typeface="Courier New" panose="02070309020205020404" pitchFamily="49" charset="0"/>
+              </a:rPr>
+              <a:t>worker.js’)</a:t>
+            </a:r>
+            <a:br>
+              <a:rPr lang="en-US" dirty="0">
+                <a:latin typeface="Courier New" panose="02070309020205020404" pitchFamily="49" charset="0"/>
+                <a:cs typeface="Courier New" panose="02070309020205020404" pitchFamily="49" charset="0"/>
+              </a:rPr>
+            </a:br>
+            <a:r>
+              <a:rPr lang="en-US" dirty="0">
+                <a:latin typeface="Courier New" panose="02070309020205020404" pitchFamily="49" charset="0"/>
+                <a:cs typeface="Courier New" panose="02070309020205020404" pitchFamily="49" charset="0"/>
+              </a:rPr>
+              <a:t>	</a:t>
+            </a:r>
+            <a:r>
+              <a:rPr lang="en-US" dirty="0" err="1" smtClean="0">
+                <a:latin typeface="Courier New" panose="02070309020205020404" pitchFamily="49" charset="0"/>
+                <a:cs typeface="Courier New" panose="02070309020205020404" pitchFamily="49" charset="0"/>
+              </a:rPr>
+              <a:t>worker.port.onmessage</a:t>
+            </a:r>
+            <a:r>
+              <a:rPr lang="en-US" dirty="0" smtClean="0">
+                <a:latin typeface="Courier New" panose="02070309020205020404" pitchFamily="49" charset="0"/>
+                <a:cs typeface="Courier New" panose="02070309020205020404" pitchFamily="49" charset="0"/>
+              </a:rPr>
+              <a:t> </a:t>
+            </a:r>
+            <a:r>
+              <a:rPr lang="en-US" dirty="0">
+                <a:latin typeface="Courier New" panose="02070309020205020404" pitchFamily="49" charset="0"/>
+                <a:cs typeface="Courier New" panose="02070309020205020404" pitchFamily="49" charset="0"/>
+              </a:rPr>
+              <a:t>= </a:t>
+            </a:r>
+            <a:r>
+              <a:rPr lang="en-US" b="1" dirty="0">
+                <a:latin typeface="Courier New" panose="02070309020205020404" pitchFamily="49" charset="0"/>
+                <a:cs typeface="Courier New" panose="02070309020205020404" pitchFamily="49" charset="0"/>
+              </a:rPr>
+              <a:t>function</a:t>
+            </a:r>
+            <a:r>
+              <a:rPr lang="en-US" dirty="0">
+                <a:latin typeface="Courier New" panose="02070309020205020404" pitchFamily="49" charset="0"/>
+                <a:cs typeface="Courier New" panose="02070309020205020404" pitchFamily="49" charset="0"/>
+              </a:rPr>
+              <a:t>(event</a:t>
+            </a:r>
+            <a:r>
+              <a:rPr lang="en-US" dirty="0" smtClean="0">
+                <a:latin typeface="Courier New" panose="02070309020205020404" pitchFamily="49" charset="0"/>
+                <a:cs typeface="Courier New" panose="02070309020205020404" pitchFamily="49" charset="0"/>
+              </a:rPr>
+              <a:t>){…}</a:t>
+            </a:r>
+            <a:br>
+              <a:rPr lang="en-US" dirty="0" smtClean="0">
+                <a:latin typeface="Courier New" panose="02070309020205020404" pitchFamily="49" charset="0"/>
+                <a:cs typeface="Courier New" panose="02070309020205020404" pitchFamily="49" charset="0"/>
+              </a:rPr>
+            </a:br>
+            <a:r>
+              <a:rPr lang="en-US" dirty="0" smtClean="0">
+                <a:latin typeface="Courier New" panose="02070309020205020404" pitchFamily="49" charset="0"/>
+                <a:cs typeface="Courier New" panose="02070309020205020404" pitchFamily="49" charset="0"/>
+              </a:rPr>
+              <a:t>	</a:t>
+            </a:r>
+            <a:r>
+              <a:rPr lang="en-US" dirty="0" err="1" smtClean="0">
+                <a:latin typeface="Courier New" panose="02070309020205020404" pitchFamily="49" charset="0"/>
+                <a:cs typeface="Courier New" panose="02070309020205020404" pitchFamily="49" charset="0"/>
+              </a:rPr>
+              <a:t>worker.port.start</a:t>
+            </a:r>
+            <a:r>
+              <a:rPr lang="en-US" dirty="0" smtClean="0">
+                <a:latin typeface="Courier New" panose="02070309020205020404" pitchFamily="49" charset="0"/>
+                <a:cs typeface="Courier New" panose="02070309020205020404" pitchFamily="49" charset="0"/>
+              </a:rPr>
+              <a:t>() // </a:t>
+            </a:r>
+            <a:r>
+              <a:rPr lang="ru-RU" dirty="0" smtClean="0">
+                <a:latin typeface="Courier New" panose="02070309020205020404" pitchFamily="49" charset="0"/>
+                <a:cs typeface="Courier New" panose="02070309020205020404" pitchFamily="49" charset="0"/>
+              </a:rPr>
+              <a:t>Не обязательно</a:t>
+            </a:r>
+            <a:br>
+              <a:rPr lang="ru-RU" dirty="0" smtClean="0">
+                <a:latin typeface="Courier New" panose="02070309020205020404" pitchFamily="49" charset="0"/>
+                <a:cs typeface="Courier New" panose="02070309020205020404" pitchFamily="49" charset="0"/>
+              </a:rPr>
+            </a:br>
+            <a:r>
+              <a:rPr lang="ru-RU" dirty="0" smtClean="0">
+                <a:latin typeface="Courier New" panose="02070309020205020404" pitchFamily="49" charset="0"/>
+                <a:cs typeface="Courier New" panose="02070309020205020404" pitchFamily="49" charset="0"/>
+              </a:rPr>
+              <a:t>	</a:t>
+            </a:r>
+            <a:r>
+              <a:rPr lang="en-US" dirty="0" err="1" smtClean="0">
+                <a:latin typeface="Courier New" panose="02070309020205020404" pitchFamily="49" charset="0"/>
+                <a:cs typeface="Courier New" panose="02070309020205020404" pitchFamily="49" charset="0"/>
+              </a:rPr>
+              <a:t>worker.port.postMessage</a:t>
+            </a:r>
+            <a:r>
+              <a:rPr lang="en-US" dirty="0">
+                <a:latin typeface="Courier New" panose="02070309020205020404" pitchFamily="49" charset="0"/>
+                <a:cs typeface="Courier New" panose="02070309020205020404" pitchFamily="49" charset="0"/>
+              </a:rPr>
+              <a:t>(…)</a:t>
+            </a:r>
+            <a:br>
+              <a:rPr lang="en-US" dirty="0">
+                <a:latin typeface="Courier New" panose="02070309020205020404" pitchFamily="49" charset="0"/>
+                <a:cs typeface="Courier New" panose="02070309020205020404" pitchFamily="49" charset="0"/>
+              </a:rPr>
+            </a:br>
+            <a:r>
+              <a:rPr lang="en-US" dirty="0">
+                <a:latin typeface="Courier New" panose="02070309020205020404" pitchFamily="49" charset="0"/>
+                <a:cs typeface="Courier New" panose="02070309020205020404" pitchFamily="49" charset="0"/>
+              </a:rPr>
+              <a:t>	</a:t>
+            </a:r>
+            <a:r>
+              <a:rPr lang="en-US" dirty="0" err="1">
+                <a:latin typeface="Courier New" panose="02070309020205020404" pitchFamily="49" charset="0"/>
+                <a:cs typeface="Courier New" panose="02070309020205020404" pitchFamily="49" charset="0"/>
+              </a:rPr>
+              <a:t>worker.terminate</a:t>
+            </a:r>
+            <a:r>
+              <a:rPr lang="en-US" dirty="0">
+                <a:latin typeface="Courier New" panose="02070309020205020404" pitchFamily="49" charset="0"/>
+                <a:cs typeface="Courier New" panose="02070309020205020404" pitchFamily="49" charset="0"/>
+              </a:rPr>
+              <a:t>()</a:t>
+            </a:r>
+            <a:endParaRPr lang="ru-RU" dirty="0">
+              <a:latin typeface="Courier New" panose="02070309020205020404" pitchFamily="49" charset="0"/>
+              <a:cs typeface="Courier New" panose="02070309020205020404" pitchFamily="49" charset="0"/>
+            </a:endParaRPr>
+          </a:p>
+          <a:p>
+            <a:endParaRPr lang="ru-RU" dirty="0"/>
+          </a:p>
+        </p:txBody>
+      </p:sp>
+    </p:spTree>
+    <p:extLst>
+      <p:ext uri="{BB962C8B-B14F-4D97-AF65-F5344CB8AC3E}">
+        <p14:creationId xmlns:p14="http://schemas.microsoft.com/office/powerpoint/2010/main" val="2556808570"/>
+      </p:ext>
+    </p:extLst>
+  </p:cSld>
+  <p:clrMapOvr>
+    <a:masterClrMapping/>
+  </p:clrMapOvr>
+  <p:timing>
+    <p:tnLst>
+      <p:par>
+        <p:cTn id="1" dur="indefinite" restart="never" nodeType="tmRoot"/>
+      </p:par>
+    </p:tnLst>
+  </p:timing>
+</p:sld>
+</file>
+
+<file path=ppt/slides/slide8.xml><?xml version="1.0" encoding="utf-8"?>
+<p:sld xmlns:a="http://schemas.openxmlformats.org/drawingml/2006/main" xmlns:r="http://schemas.openxmlformats.org/officeDocument/2006/relationships" xmlns:p="http://schemas.openxmlformats.org/presentationml/2006/main">
+  <p:cSld>
+    <p:spTree>
+      <p:nvGrpSpPr>
+        <p:cNvPr id="1" name=""/>
+        <p:cNvGrpSpPr/>
+        <p:nvPr/>
+      </p:nvGrpSpPr>
+      <p:grpSpPr>
+        <a:xfrm>
+          <a:off x="0" y="0"/>
+          <a:ext cx="0" cy="0"/>
+          <a:chOff x="0" y="0"/>
+          <a:chExt cx="0" cy="0"/>
+        </a:xfrm>
+      </p:grpSpPr>
+      <p:sp>
+        <p:nvSpPr>
+          <p:cNvPr id="2" name="Заголовок 1"/>
+          <p:cNvSpPr>
+            <a:spLocks noGrp="1"/>
+          </p:cNvSpPr>
+          <p:nvPr>
+            <p:ph type="title"/>
+          </p:nvPr>
+        </p:nvSpPr>
+        <p:spPr/>
+        <p:txBody>
+          <a:bodyPr/>
+          <a:lstStyle/>
+          <a:p>
+            <a:r>
+              <a:rPr lang="en-US" dirty="0" smtClean="0"/>
+              <a:t>Shared Worker</a:t>
+            </a:r>
+            <a:endParaRPr lang="ru-RU" dirty="0"/>
+          </a:p>
+        </p:txBody>
+      </p:sp>
+      <p:sp>
+        <p:nvSpPr>
+          <p:cNvPr id="3" name="Объект 2"/>
+          <p:cNvSpPr>
+            <a:spLocks noGrp="1"/>
+          </p:cNvSpPr>
+          <p:nvPr>
+            <p:ph idx="1"/>
+          </p:nvPr>
+        </p:nvSpPr>
+        <p:spPr/>
+        <p:txBody>
           <a:bodyPr>
             <a:normAutofit/>
           </a:bodyPr>
@@ -7991,6 +9374,145 @@
     <p:extLst>
       <p:ext uri="{BB962C8B-B14F-4D97-AF65-F5344CB8AC3E}">
         <p14:creationId xmlns:p14="http://schemas.microsoft.com/office/powerpoint/2010/main" val="452682857"/>
+      </p:ext>
+    </p:extLst>
+  </p:cSld>
+  <p:clrMapOvr>
+    <a:masterClrMapping/>
+  </p:clrMapOvr>
+  <p:timing>
+    <p:tnLst>
+      <p:par>
+        <p:cTn id="1" dur="indefinite" restart="never" nodeType="tmRoot"/>
+      </p:par>
+    </p:tnLst>
+  </p:timing>
+</p:sld>
+</file>
+
+<file path=ppt/slides/slide9.xml><?xml version="1.0" encoding="utf-8"?>
+<p:sld xmlns:a="http://schemas.openxmlformats.org/drawingml/2006/main" xmlns:r="http://schemas.openxmlformats.org/officeDocument/2006/relationships" xmlns:p="http://schemas.openxmlformats.org/presentationml/2006/main">
+  <p:cSld>
+    <p:spTree>
+      <p:nvGrpSpPr>
+        <p:cNvPr id="1" name=""/>
+        <p:cNvGrpSpPr/>
+        <p:nvPr/>
+      </p:nvGrpSpPr>
+      <p:grpSpPr>
+        <a:xfrm>
+          <a:off x="0" y="0"/>
+          <a:ext cx="0" cy="0"/>
+          <a:chOff x="0" y="0"/>
+          <a:chExt cx="0" cy="0"/>
+        </a:xfrm>
+      </p:grpSpPr>
+      <p:sp>
+        <p:nvSpPr>
+          <p:cNvPr id="2" name="Заголовок 1"/>
+          <p:cNvSpPr>
+            <a:spLocks noGrp="1"/>
+          </p:cNvSpPr>
+          <p:nvPr>
+            <p:ph type="title"/>
+          </p:nvPr>
+        </p:nvSpPr>
+        <p:spPr/>
+        <p:txBody>
+          <a:bodyPr/>
+          <a:lstStyle/>
+          <a:p>
+            <a:r>
+              <a:rPr lang="en-US" dirty="0" smtClean="0"/>
+              <a:t>Service Worker</a:t>
+            </a:r>
+            <a:endParaRPr lang="ru-RU" dirty="0"/>
+          </a:p>
+        </p:txBody>
+      </p:sp>
+      <p:sp>
+        <p:nvSpPr>
+          <p:cNvPr id="3" name="Объект 2"/>
+          <p:cNvSpPr>
+            <a:spLocks noGrp="1"/>
+          </p:cNvSpPr>
+          <p:nvPr>
+            <p:ph idx="1"/>
+          </p:nvPr>
+        </p:nvSpPr>
+        <p:spPr/>
+        <p:txBody>
+          <a:bodyPr/>
+          <a:lstStyle/>
+          <a:p>
+            <a:r>
+              <a:rPr lang="ru-RU" dirty="0" smtClean="0"/>
+              <a:t>Работает как </a:t>
+            </a:r>
+            <a:r>
+              <a:rPr lang="en-US" dirty="0" smtClean="0"/>
+              <a:t>proxy-</a:t>
+            </a:r>
+            <a:r>
+              <a:rPr lang="ru-RU" dirty="0" smtClean="0"/>
+              <a:t>сервер</a:t>
+            </a:r>
+          </a:p>
+          <a:p>
+            <a:r>
+              <a:rPr lang="ru-RU" dirty="0" smtClean="0"/>
+              <a:t>Требует </a:t>
+            </a:r>
+            <a:r>
+              <a:rPr lang="en-US" dirty="0" smtClean="0"/>
+              <a:t>https,</a:t>
+            </a:r>
+            <a:r>
+              <a:rPr lang="ru-RU" dirty="0" smtClean="0"/>
+              <a:t> (</a:t>
+            </a:r>
+            <a:r>
+              <a:rPr lang="en-US" dirty="0" smtClean="0"/>
+              <a:t> </a:t>
+            </a:r>
+            <a:r>
+              <a:rPr lang="ru-RU" dirty="0"/>
+              <a:t>можно отключить в </a:t>
+            </a:r>
+            <a:r>
+              <a:rPr lang="en-US" dirty="0" smtClean="0"/>
+              <a:t>FF</a:t>
+            </a:r>
+            <a:r>
+              <a:rPr lang="ru-RU" dirty="0" smtClean="0"/>
+              <a:t> )</a:t>
+            </a:r>
+          </a:p>
+          <a:p>
+            <a:r>
+              <a:rPr lang="ru-RU" dirty="0" smtClean="0"/>
+              <a:t>Широко использует </a:t>
+            </a:r>
+            <a:r>
+              <a:rPr lang="ru-RU" dirty="0" err="1" smtClean="0"/>
+              <a:t>промисы</a:t>
+            </a:r>
+            <a:r>
+              <a:rPr lang="ru-RU" dirty="0" smtClean="0"/>
+              <a:t> и </a:t>
+            </a:r>
+            <a:r>
+              <a:rPr lang="en-US" dirty="0" smtClean="0"/>
+              <a:t>caches</a:t>
+            </a:r>
+            <a:endParaRPr lang="ru-RU" dirty="0"/>
+          </a:p>
+        </p:txBody>
+      </p:sp>
+    </p:spTree>
+    <p:extLst>
+      <p:ext uri="{BB962C8B-B14F-4D97-AF65-F5344CB8AC3E}">
+        <p14:creationId xmlns:p14="http://schemas.microsoft.com/office/powerpoint/2010/main" val="278598520"/>
       </p:ext>
     </p:extLst>
   </p:cSld>
